--- a/{KGC2016]SuperSocket을 사용하여 고성능 게임 서버 만들기.pptx
+++ b/{KGC2016]SuperSocket을 사용하여 고성능 게임 서버 만들기.pptx
@@ -9,20 +9,20 @@
   </p:notesMasterIdLst>
   <p:sldIdLst>
     <p:sldId id="256" r:id="rId2"/>
-    <p:sldId id="258" r:id="rId3"/>
-    <p:sldId id="338" r:id="rId4"/>
+    <p:sldId id="338" r:id="rId3"/>
+    <p:sldId id="343" r:id="rId4"/>
     <p:sldId id="334" r:id="rId5"/>
-    <p:sldId id="335" r:id="rId6"/>
-    <p:sldId id="336" r:id="rId7"/>
-    <p:sldId id="257" r:id="rId8"/>
-    <p:sldId id="332" r:id="rId9"/>
-    <p:sldId id="333" r:id="rId10"/>
-    <p:sldId id="339" r:id="rId11"/>
-    <p:sldId id="259" r:id="rId12"/>
-    <p:sldId id="260" r:id="rId13"/>
-    <p:sldId id="261" r:id="rId14"/>
-    <p:sldId id="262" r:id="rId15"/>
-    <p:sldId id="263" r:id="rId16"/>
+    <p:sldId id="342" r:id="rId6"/>
+    <p:sldId id="257" r:id="rId7"/>
+    <p:sldId id="332" r:id="rId8"/>
+    <p:sldId id="333" r:id="rId9"/>
+    <p:sldId id="339" r:id="rId10"/>
+    <p:sldId id="259" r:id="rId11"/>
+    <p:sldId id="260" r:id="rId12"/>
+    <p:sldId id="261" r:id="rId13"/>
+    <p:sldId id="262" r:id="rId14"/>
+    <p:sldId id="263" r:id="rId15"/>
+    <p:sldId id="344" r:id="rId16"/>
     <p:sldId id="264" r:id="rId17"/>
     <p:sldId id="318" r:id="rId18"/>
     <p:sldId id="265" r:id="rId19"/>
@@ -627,106 +627,6 @@
   <p:cSld>
     <p:spTree>
       <p:nvGrpSpPr>
-        <p:cNvPr id="1" name="Shape 36"/>
-        <p:cNvGrpSpPr/>
-        <p:nvPr/>
-      </p:nvGrpSpPr>
-      <p:grpSpPr>
-        <a:xfrm>
-          <a:off x="0" y="0"/>
-          <a:ext cx="0" cy="0"/>
-          <a:chOff x="0" y="0"/>
-          <a:chExt cx="0" cy="0"/>
-        </a:xfrm>
-      </p:grpSpPr>
-      <p:sp>
-        <p:nvSpPr>
-          <p:cNvPr id="37" name="Shape 37"/>
-          <p:cNvSpPr>
-            <a:spLocks noGrp="1" noRot="1" noChangeAspect="1"/>
-          </p:cNvSpPr>
-          <p:nvPr>
-            <p:ph type="sldImg" idx="2"/>
-          </p:nvPr>
-        </p:nvSpPr>
-        <p:spPr>
-          <a:xfrm>
-            <a:off x="1143000" y="685800"/>
-            <a:ext cx="4572000" cy="3429000"/>
-          </a:xfrm>
-          <a:custGeom>
-            <a:avLst/>
-            <a:gdLst/>
-            <a:ahLst/>
-            <a:cxnLst/>
-            <a:rect l="0" t="0" r="0" b="0"/>
-            <a:pathLst>
-              <a:path w="120000" h="120000" extrusionOk="0">
-                <a:moveTo>
-                  <a:pt x="0" y="0"/>
-                </a:moveTo>
-                <a:lnTo>
-                  <a:pt x="120000" y="0"/>
-                </a:lnTo>
-                <a:lnTo>
-                  <a:pt x="120000" y="120000"/>
-                </a:lnTo>
-                <a:lnTo>
-                  <a:pt x="0" y="120000"/>
-                </a:lnTo>
-                <a:close/>
-              </a:path>
-            </a:pathLst>
-          </a:custGeom>
-        </p:spPr>
-      </p:sp>
-      <p:sp>
-        <p:nvSpPr>
-          <p:cNvPr id="38" name="Shape 38"/>
-          <p:cNvSpPr txBox="1">
-            <a:spLocks noGrp="1"/>
-          </p:cNvSpPr>
-          <p:nvPr>
-            <p:ph type="body" idx="1"/>
-          </p:nvPr>
-        </p:nvSpPr>
-        <p:spPr>
-          <a:xfrm>
-            <a:off x="685800" y="4343400"/>
-            <a:ext cx="5486399" cy="4114800"/>
-          </a:xfrm>
-          <a:prstGeom prst="rect">
-            <a:avLst/>
-          </a:prstGeom>
-        </p:spPr>
-        <p:txBody>
-          <a:bodyPr lIns="91425" tIns="91425" rIns="91425" bIns="91425" anchor="t" anchorCtr="0">
-            <a:noAutofit/>
-          </a:bodyPr>
-          <a:lstStyle/>
-          <a:p>
-            <a:endParaRPr/>
-          </a:p>
-        </p:txBody>
-      </p:sp>
-    </p:spTree>
-    <p:extLst>
-      <p:ext uri="{BB962C8B-B14F-4D97-AF65-F5344CB8AC3E}">
-        <p14:creationId xmlns:p14="http://schemas.microsoft.com/office/powerpoint/2010/main" val="1192335765"/>
-      </p:ext>
-    </p:extLst>
-  </p:cSld>
-  <p:clrMapOvr>
-    <a:masterClrMapping/>
-  </p:clrMapOvr>
-</p:notes>
-</file>
-
-<file path=ppt/notesSlides/notesSlide11.xml><?xml version="1.0" encoding="utf-8"?>
-<p:notes xmlns:a="http://schemas.openxmlformats.org/drawingml/2006/main" xmlns:r="http://schemas.openxmlformats.org/officeDocument/2006/relationships" xmlns:p="http://schemas.openxmlformats.org/presentationml/2006/main" showMasterSp="0" showMasterPhAnim="0">
-  <p:cSld>
-    <p:spTree>
-      <p:nvGrpSpPr>
         <p:cNvPr id="1" name="Shape 42"/>
         <p:cNvGrpSpPr/>
         <p:nvPr/>
@@ -822,7 +722,7 @@
 </p:notes>
 </file>
 
-<file path=ppt/notesSlides/notesSlide12.xml><?xml version="1.0" encoding="utf-8"?>
+<file path=ppt/notesSlides/notesSlide11.xml><?xml version="1.0" encoding="utf-8"?>
 <p:notes xmlns:a="http://schemas.openxmlformats.org/drawingml/2006/main" xmlns:r="http://schemas.openxmlformats.org/officeDocument/2006/relationships" xmlns:p="http://schemas.openxmlformats.org/presentationml/2006/main" showMasterSp="0" showMasterPhAnim="0">
   <p:cSld>
     <p:spTree>
@@ -922,7 +822,7 @@
 </p:notes>
 </file>
 
-<file path=ppt/notesSlides/notesSlide13.xml><?xml version="1.0" encoding="utf-8"?>
+<file path=ppt/notesSlides/notesSlide12.xml><?xml version="1.0" encoding="utf-8"?>
 <p:notes xmlns:a="http://schemas.openxmlformats.org/drawingml/2006/main" xmlns:r="http://schemas.openxmlformats.org/officeDocument/2006/relationships" xmlns:p="http://schemas.openxmlformats.org/presentationml/2006/main" showMasterSp="0" showMasterPhAnim="0">
   <p:cSld>
     <p:spTree>
@@ -1022,7 +922,7 @@
 </p:notes>
 </file>
 
-<file path=ppt/notesSlides/notesSlide14.xml><?xml version="1.0" encoding="utf-8"?>
+<file path=ppt/notesSlides/notesSlide13.xml><?xml version="1.0" encoding="utf-8"?>
 <p:notes xmlns:a="http://schemas.openxmlformats.org/drawingml/2006/main" xmlns:r="http://schemas.openxmlformats.org/officeDocument/2006/relationships" xmlns:p="http://schemas.openxmlformats.org/presentationml/2006/main" showMasterSp="0" showMasterPhAnim="0">
   <p:cSld>
     <p:spTree>
@@ -1113,6 +1013,106 @@
     <p:extLst>
       <p:ext uri="{BB962C8B-B14F-4D97-AF65-F5344CB8AC3E}">
         <p14:creationId xmlns:p14="http://schemas.microsoft.com/office/powerpoint/2010/main" val="1040006644"/>
+      </p:ext>
+    </p:extLst>
+  </p:cSld>
+  <p:clrMapOvr>
+    <a:masterClrMapping/>
+  </p:clrMapOvr>
+</p:notes>
+</file>
+
+<file path=ppt/notesSlides/notesSlide14.xml><?xml version="1.0" encoding="utf-8"?>
+<p:notes xmlns:a="http://schemas.openxmlformats.org/drawingml/2006/main" xmlns:r="http://schemas.openxmlformats.org/officeDocument/2006/relationships" xmlns:p="http://schemas.openxmlformats.org/presentationml/2006/main" showMasterSp="0" showMasterPhAnim="0">
+  <p:cSld>
+    <p:spTree>
+      <p:nvGrpSpPr>
+        <p:cNvPr id="1" name="Shape 75"/>
+        <p:cNvGrpSpPr/>
+        <p:nvPr/>
+      </p:nvGrpSpPr>
+      <p:grpSpPr>
+        <a:xfrm>
+          <a:off x="0" y="0"/>
+          <a:ext cx="0" cy="0"/>
+          <a:chOff x="0" y="0"/>
+          <a:chExt cx="0" cy="0"/>
+        </a:xfrm>
+      </p:grpSpPr>
+      <p:sp>
+        <p:nvSpPr>
+          <p:cNvPr id="76" name="Shape 76"/>
+          <p:cNvSpPr>
+            <a:spLocks noGrp="1" noRot="1" noChangeAspect="1"/>
+          </p:cNvSpPr>
+          <p:nvPr>
+            <p:ph type="sldImg" idx="2"/>
+          </p:nvPr>
+        </p:nvSpPr>
+        <p:spPr>
+          <a:xfrm>
+            <a:off x="1143000" y="685800"/>
+            <a:ext cx="4572000" cy="3429000"/>
+          </a:xfrm>
+          <a:custGeom>
+            <a:avLst/>
+            <a:gdLst/>
+            <a:ahLst/>
+            <a:cxnLst/>
+            <a:rect l="0" t="0" r="0" b="0"/>
+            <a:pathLst>
+              <a:path w="120000" h="120000" extrusionOk="0">
+                <a:moveTo>
+                  <a:pt x="0" y="0"/>
+                </a:moveTo>
+                <a:lnTo>
+                  <a:pt x="120000" y="0"/>
+                </a:lnTo>
+                <a:lnTo>
+                  <a:pt x="120000" y="120000"/>
+                </a:lnTo>
+                <a:lnTo>
+                  <a:pt x="0" y="120000"/>
+                </a:lnTo>
+                <a:close/>
+              </a:path>
+            </a:pathLst>
+          </a:custGeom>
+        </p:spPr>
+      </p:sp>
+      <p:sp>
+        <p:nvSpPr>
+          <p:cNvPr id="77" name="Shape 77"/>
+          <p:cNvSpPr txBox="1">
+            <a:spLocks noGrp="1"/>
+          </p:cNvSpPr>
+          <p:nvPr>
+            <p:ph type="body" idx="1"/>
+          </p:nvPr>
+        </p:nvSpPr>
+        <p:spPr>
+          <a:xfrm>
+            <a:off x="685800" y="4343400"/>
+            <a:ext cx="5486399" cy="4114800"/>
+          </a:xfrm>
+          <a:prstGeom prst="rect">
+            <a:avLst/>
+          </a:prstGeom>
+        </p:spPr>
+        <p:txBody>
+          <a:bodyPr lIns="91425" tIns="91425" rIns="91425" bIns="91425" anchor="t" anchorCtr="0">
+            <a:noAutofit/>
+          </a:bodyPr>
+          <a:lstStyle/>
+          <a:p>
+            <a:endParaRPr/>
+          </a:p>
+        </p:txBody>
+      </p:sp>
+    </p:spTree>
+    <p:extLst>
+      <p:ext uri="{BB962C8B-B14F-4D97-AF65-F5344CB8AC3E}">
+        <p14:creationId xmlns:p14="http://schemas.microsoft.com/office/powerpoint/2010/main" val="2897778776"/>
       </p:ext>
     </p:extLst>
   </p:cSld>
@@ -1212,7 +1212,7 @@
     </p:spTree>
     <p:extLst>
       <p:ext uri="{BB962C8B-B14F-4D97-AF65-F5344CB8AC3E}">
-        <p14:creationId xmlns:p14="http://schemas.microsoft.com/office/powerpoint/2010/main" val="2897778776"/>
+        <p14:creationId xmlns:p14="http://schemas.microsoft.com/office/powerpoint/2010/main" val="3248709754"/>
       </p:ext>
     </p:extLst>
   </p:cSld>
@@ -1712,7 +1712,7 @@
     </p:spTree>
     <p:extLst>
       <p:ext uri="{BB962C8B-B14F-4D97-AF65-F5344CB8AC3E}">
-        <p14:creationId xmlns:p14="http://schemas.microsoft.com/office/powerpoint/2010/main" val="651857196"/>
+        <p14:creationId xmlns:p14="http://schemas.microsoft.com/office/powerpoint/2010/main" val="1253391077"/>
       </p:ext>
     </p:extLst>
   </p:cSld>
@@ -2812,7 +2812,7 @@
     </p:spTree>
     <p:extLst>
       <p:ext uri="{BB962C8B-B14F-4D97-AF65-F5344CB8AC3E}">
-        <p14:creationId xmlns:p14="http://schemas.microsoft.com/office/powerpoint/2010/main" val="1253391077"/>
+        <p14:creationId xmlns:p14="http://schemas.microsoft.com/office/powerpoint/2010/main" val="1187257405"/>
       </p:ext>
     </p:extLst>
   </p:cSld>
@@ -5012,7 +5012,7 @@
     </p:spTree>
     <p:extLst>
       <p:ext uri="{BB962C8B-B14F-4D97-AF65-F5344CB8AC3E}">
-        <p14:creationId xmlns:p14="http://schemas.microsoft.com/office/powerpoint/2010/main" val="2767589062"/>
+        <p14:creationId xmlns:p14="http://schemas.microsoft.com/office/powerpoint/2010/main" val="599060347"/>
       </p:ext>
     </p:extLst>
   </p:cSld>
@@ -6027,7 +6027,7 @@
   <p:cSld>
     <p:spTree>
       <p:nvGrpSpPr>
-        <p:cNvPr id="1" name="Shape 36"/>
+        <p:cNvPr id="1" name="Shape 30"/>
         <p:cNvGrpSpPr/>
         <p:nvPr/>
       </p:nvGrpSpPr>
@@ -6041,7 +6041,7 @@
       </p:grpSpPr>
       <p:sp>
         <p:nvSpPr>
-          <p:cNvPr id="37" name="Shape 37"/>
+          <p:cNvPr id="31" name="Shape 31"/>
           <p:cNvSpPr>
             <a:spLocks noGrp="1" noRot="1" noChangeAspect="1"/>
           </p:cNvSpPr>
@@ -6082,7 +6082,7 @@
       </p:sp>
       <p:sp>
         <p:nvSpPr>
-          <p:cNvPr id="38" name="Shape 38"/>
+          <p:cNvPr id="32" name="Shape 32"/>
           <p:cNvSpPr txBox="1">
             <a:spLocks noGrp="1"/>
           </p:cNvSpPr>
@@ -6112,7 +6112,7 @@
     </p:spTree>
     <p:extLst>
       <p:ext uri="{BB962C8B-B14F-4D97-AF65-F5344CB8AC3E}">
-        <p14:creationId xmlns:p14="http://schemas.microsoft.com/office/powerpoint/2010/main" val="3893305724"/>
+        <p14:creationId xmlns:p14="http://schemas.microsoft.com/office/powerpoint/2010/main" val="3521479048"/>
       </p:ext>
     </p:extLst>
   </p:cSld>
@@ -6212,7 +6212,7 @@
     </p:spTree>
     <p:extLst>
       <p:ext uri="{BB962C8B-B14F-4D97-AF65-F5344CB8AC3E}">
-        <p14:creationId xmlns:p14="http://schemas.microsoft.com/office/powerpoint/2010/main" val="3521479048"/>
+        <p14:creationId xmlns:p14="http://schemas.microsoft.com/office/powerpoint/2010/main" val="585680197"/>
       </p:ext>
     </p:extLst>
   </p:cSld>
@@ -6227,7 +6227,7 @@
   <p:cSld>
     <p:spTree>
       <p:nvGrpSpPr>
-        <p:cNvPr id="1" name="Shape 30"/>
+        <p:cNvPr id="1" name="Shape 36"/>
         <p:cNvGrpSpPr/>
         <p:nvPr/>
       </p:nvGrpSpPr>
@@ -6241,7 +6241,7 @@
       </p:grpSpPr>
       <p:sp>
         <p:nvSpPr>
-          <p:cNvPr id="31" name="Shape 31"/>
+          <p:cNvPr id="37" name="Shape 37"/>
           <p:cNvSpPr>
             <a:spLocks noGrp="1" noRot="1" noChangeAspect="1"/>
           </p:cNvSpPr>
@@ -6282,7 +6282,7 @@
       </p:sp>
       <p:sp>
         <p:nvSpPr>
-          <p:cNvPr id="32" name="Shape 32"/>
+          <p:cNvPr id="38" name="Shape 38"/>
           <p:cNvSpPr txBox="1">
             <a:spLocks noGrp="1"/>
           </p:cNvSpPr>
@@ -6312,7 +6312,7 @@
     </p:spTree>
     <p:extLst>
       <p:ext uri="{BB962C8B-B14F-4D97-AF65-F5344CB8AC3E}">
-        <p14:creationId xmlns:p14="http://schemas.microsoft.com/office/powerpoint/2010/main" val="585680197"/>
+        <p14:creationId xmlns:p14="http://schemas.microsoft.com/office/powerpoint/2010/main" val="2588218641"/>
       </p:ext>
     </p:extLst>
   </p:cSld>
@@ -6412,7 +6412,7 @@
     </p:spTree>
     <p:extLst>
       <p:ext uri="{BB962C8B-B14F-4D97-AF65-F5344CB8AC3E}">
-        <p14:creationId xmlns:p14="http://schemas.microsoft.com/office/powerpoint/2010/main" val="2588218641"/>
+        <p14:creationId xmlns:p14="http://schemas.microsoft.com/office/powerpoint/2010/main" val="1192335765"/>
       </p:ext>
     </p:extLst>
   </p:cSld>
@@ -8843,105 +8843,6 @@
   <p:cSld>
     <p:spTree>
       <p:nvGrpSpPr>
-        <p:cNvPr id="1" name="Shape 33"/>
-        <p:cNvGrpSpPr/>
-        <p:nvPr/>
-      </p:nvGrpSpPr>
-      <p:grpSpPr>
-        <a:xfrm>
-          <a:off x="0" y="0"/>
-          <a:ext cx="0" cy="0"/>
-          <a:chOff x="0" y="0"/>
-          <a:chExt cx="0" cy="0"/>
-        </a:xfrm>
-      </p:grpSpPr>
-      <p:pic>
-        <p:nvPicPr>
-          <p:cNvPr id="34" name="Shape 34"/>
-          <p:cNvPicPr preferRelativeResize="0"/>
-          <p:nvPr/>
-        </p:nvPicPr>
-        <p:blipFill>
-          <a:blip r:embed="rId3"/>
-          <a:stretch>
-            <a:fillRect/>
-          </a:stretch>
-        </p:blipFill>
-        <p:spPr>
-          <a:xfrm>
-            <a:off x="947650" y="482900"/>
-            <a:ext cx="6994800" cy="5978174"/>
-          </a:xfrm>
-          <a:prstGeom prst="rect">
-            <a:avLst/>
-          </a:prstGeom>
-        </p:spPr>
-      </p:pic>
-      <p:sp>
-        <p:nvSpPr>
-          <p:cNvPr id="35" name="Shape 35"/>
-          <p:cNvSpPr txBox="1"/>
-          <p:nvPr/>
-        </p:nvSpPr>
-        <p:spPr>
-          <a:xfrm>
-            <a:off x="2482000" y="6461075"/>
-            <a:ext cx="3926099" cy="299399"/>
-          </a:xfrm>
-          <a:prstGeom prst="rect">
-            <a:avLst/>
-          </a:prstGeom>
-        </p:spPr>
-        <p:txBody>
-          <a:bodyPr lIns="91425" tIns="91425" rIns="91425" bIns="91425" anchor="ctr" anchorCtr="0">
-            <a:noAutofit/>
-          </a:bodyPr>
-          <a:lstStyle/>
-          <a:p>
-            <a:pPr lvl="0" rtl="0">
-              <a:buNone/>
-            </a:pPr>
-            <a:r>
-              <a:rPr lang="ko" sz="1000" u="sng">
-                <a:solidFill>
-                  <a:schemeClr val="hlink"/>
-                </a:solidFill>
-                <a:hlinkClick r:id="rId4"/>
-              </a:rPr>
-              <a:t>http://docs.supersocket.net/v1-6/en-US/Architecture-Diagrams</a:t>
-            </a:r>
-            <a:r>
-              <a:rPr lang="ko" sz="1000">
-                <a:solidFill>
-                  <a:schemeClr val="dk1"/>
-                </a:solidFill>
-              </a:rPr>
-              <a:t> </a:t>
-            </a:r>
-          </a:p>
-        </p:txBody>
-      </p:sp>
-    </p:spTree>
-    <p:extLst>
-      <p:ext uri="{BB962C8B-B14F-4D97-AF65-F5344CB8AC3E}">
-        <p14:creationId xmlns:p14="http://schemas.microsoft.com/office/powerpoint/2010/main" val="1464461788"/>
-      </p:ext>
-    </p:extLst>
-  </p:cSld>
-  <p:clrMapOvr>
-    <a:masterClrMapping/>
-  </p:clrMapOvr>
-  <p:transition spd="slow">
-    <p:cut/>
-  </p:transition>
-</p:sld>
-</file>
-
-<file path=ppt/slides/slide11.xml><?xml version="1.0" encoding="utf-8"?>
-<p:sld xmlns:a="http://schemas.openxmlformats.org/drawingml/2006/main" xmlns:r="http://schemas.openxmlformats.org/officeDocument/2006/relationships" xmlns:p="http://schemas.openxmlformats.org/presentationml/2006/main">
-  <p:cSld>
-    <p:spTree>
-      <p:nvGrpSpPr>
         <p:cNvPr id="1" name="Shape 39"/>
         <p:cNvGrpSpPr/>
         <p:nvPr/>
@@ -9031,7 +8932,7 @@
 </p:sld>
 </file>
 
-<file path=ppt/slides/slide12.xml><?xml version="1.0" encoding="utf-8"?>
+<file path=ppt/slides/slide11.xml><?xml version="1.0" encoding="utf-8"?>
 <p:sld xmlns:a="http://schemas.openxmlformats.org/drawingml/2006/main" xmlns:r="http://schemas.openxmlformats.org/officeDocument/2006/relationships" xmlns:p="http://schemas.openxmlformats.org/presentationml/2006/main">
   <p:cSld>
     <p:spTree>
@@ -9125,7 +9026,7 @@
 </p:sld>
 </file>
 
-<file path=ppt/slides/slide13.xml><?xml version="1.0" encoding="utf-8"?>
+<file path=ppt/slides/slide12.xml><?xml version="1.0" encoding="utf-8"?>
 <p:sld xmlns:a="http://schemas.openxmlformats.org/drawingml/2006/main" xmlns:r="http://schemas.openxmlformats.org/officeDocument/2006/relationships" xmlns:p="http://schemas.openxmlformats.org/presentationml/2006/main">
   <p:cSld>
     <p:spTree>
@@ -9219,7 +9120,7 @@
 </p:sld>
 </file>
 
-<file path=ppt/slides/slide14.xml><?xml version="1.0" encoding="utf-8"?>
+<file path=ppt/slides/slide13.xml><?xml version="1.0" encoding="utf-8"?>
 <p:sld xmlns:a="http://schemas.openxmlformats.org/drawingml/2006/main" xmlns:r="http://schemas.openxmlformats.org/officeDocument/2006/relationships" xmlns:p="http://schemas.openxmlformats.org/presentationml/2006/main">
   <p:cSld>
     <p:spTree>
@@ -9262,9 +9163,18 @@
               <a:buNone/>
             </a:pPr>
             <a:r>
-              <a:rPr lang="ko" sz="3000" b="1"/>
-              <a:t>기본 실행 - 프로젝트 설정</a:t>
-            </a:r>
+              <a:rPr lang="ko-KR" altLang="en-US" sz="3000" b="1"/>
+              <a:t>설치하기 </a:t>
+            </a:r>
+            <a:r>
+              <a:rPr lang="en-US" altLang="ko-KR" sz="3000" b="1"/>
+              <a:t>– </a:t>
+            </a:r>
+            <a:r>
+              <a:rPr lang="ko-KR" altLang="en-US" sz="3000" b="1"/>
+              <a:t>소스 코드에서</a:t>
+            </a:r>
+            <a:endParaRPr lang="ko" sz="3000" b="1"/>
           </a:p>
         </p:txBody>
       </p:sp>
@@ -9518,7 +9428,7 @@
 </p:sld>
 </file>
 
-<file path=ppt/slides/slide15.xml><?xml version="1.0" encoding="utf-8"?>
+<file path=ppt/slides/slide14.xml><?xml version="1.0" encoding="utf-8"?>
 <p:sld xmlns:a="http://schemas.openxmlformats.org/drawingml/2006/main" xmlns:r="http://schemas.openxmlformats.org/officeDocument/2006/relationships" xmlns:p="http://schemas.openxmlformats.org/presentationml/2006/main">
   <p:cSld>
     <p:spTree>
@@ -9561,15 +9471,104 @@
               <a:buNone/>
             </a:pPr>
             <a:r>
+              <a:rPr lang="ko-KR" altLang="en-US" sz="3000" b="1"/>
+              <a:t>설치하기 </a:t>
+            </a:r>
+            <a:r>
+              <a:rPr lang="en-US" altLang="ko-KR" sz="3000" b="1"/>
+              <a:t>–</a:t>
+            </a:r>
+            <a:r>
               <a:rPr lang="ko" sz="3000" b="1"/>
-              <a:t>기본 실행 - 프로젝트 설정. NuGet으로 설치</a:t>
-            </a:r>
+              <a:t> NuGet</a:t>
+            </a:r>
+            <a:r>
+              <a:rPr lang="ko-KR" altLang="en-US" sz="3000" b="1"/>
+              <a:t>에서</a:t>
+            </a:r>
+            <a:endParaRPr lang="ko" sz="3000" b="1"/>
           </a:p>
         </p:txBody>
       </p:sp>
       <p:pic>
         <p:nvPicPr>
-          <p:cNvPr id="71" name="Shape 71"/>
+          <p:cNvPr id="2" name="그림 1"/>
+          <p:cNvPicPr>
+            <a:picLocks noChangeAspect="1"/>
+          </p:cNvPicPr>
+          <p:nvPr/>
+        </p:nvPicPr>
+        <p:blipFill>
+          <a:blip r:embed="rId3"/>
+          <a:stretch>
+            <a:fillRect/>
+          </a:stretch>
+        </p:blipFill>
+        <p:spPr>
+          <a:xfrm>
+            <a:off x="1110539" y="908720"/>
+            <a:ext cx="6773829" cy="2838047"/>
+          </a:xfrm>
+          <a:prstGeom prst="rect">
+            <a:avLst/>
+          </a:prstGeom>
+        </p:spPr>
+      </p:pic>
+      <p:pic>
+        <p:nvPicPr>
+          <p:cNvPr id="3" name="그림 2"/>
+          <p:cNvPicPr>
+            <a:picLocks noChangeAspect="1"/>
+          </p:cNvPicPr>
+          <p:nvPr/>
+        </p:nvPicPr>
+        <p:blipFill>
+          <a:blip r:embed="rId4"/>
+          <a:stretch>
+            <a:fillRect/>
+          </a:stretch>
+        </p:blipFill>
+        <p:spPr>
+          <a:xfrm>
+            <a:off x="1143678" y="3861048"/>
+            <a:ext cx="6740690" cy="2801934"/>
+          </a:xfrm>
+          <a:prstGeom prst="rect">
+            <a:avLst/>
+          </a:prstGeom>
+        </p:spPr>
+      </p:pic>
+    </p:spTree>
+  </p:cSld>
+  <p:clrMapOvr>
+    <a:masterClrMapping/>
+  </p:clrMapOvr>
+  <p:transition spd="slow">
+    <p:cut/>
+  </p:transition>
+</p:sld>
+</file>
+
+<file path=ppt/slides/slide15.xml><?xml version="1.0" encoding="utf-8"?>
+<p:sld xmlns:a="http://schemas.openxmlformats.org/drawingml/2006/main" xmlns:r="http://schemas.openxmlformats.org/officeDocument/2006/relationships" xmlns:p="http://schemas.openxmlformats.org/presentationml/2006/main">
+  <p:cSld>
+    <p:spTree>
+      <p:nvGrpSpPr>
+        <p:cNvPr id="1" name="Shape 69"/>
+        <p:cNvGrpSpPr/>
+        <p:nvPr/>
+      </p:nvGrpSpPr>
+      <p:grpSpPr>
+        <a:xfrm>
+          <a:off x="0" y="0"/>
+          <a:ext cx="0" cy="0"/>
+          <a:chOff x="0" y="0"/>
+          <a:chExt cx="0" cy="0"/>
+        </a:xfrm>
+      </p:grpSpPr>
+      <p:pic>
+        <p:nvPicPr>
+          <p:cNvPr id="72" name="Shape 72"/>
           <p:cNvPicPr preferRelativeResize="0"/>
           <p:nvPr/>
         </p:nvPicPr>
@@ -9581,30 +9580,8 @@
         </p:blipFill>
         <p:spPr>
           <a:xfrm>
-            <a:off x="1146449" y="1060700"/>
-            <a:ext cx="6568395" cy="2609850"/>
-          </a:xfrm>
-          <a:prstGeom prst="rect">
-            <a:avLst/>
-          </a:prstGeom>
-        </p:spPr>
-      </p:pic>
-      <p:pic>
-        <p:nvPicPr>
-          <p:cNvPr id="72" name="Shape 72"/>
-          <p:cNvPicPr preferRelativeResize="0"/>
-          <p:nvPr/>
-        </p:nvPicPr>
-        <p:blipFill>
-          <a:blip r:embed="rId4"/>
-          <a:stretch>
-            <a:fillRect/>
-          </a:stretch>
-        </p:blipFill>
-        <p:spPr>
-          <a:xfrm>
-            <a:off x="1146450" y="3831000"/>
-            <a:ext cx="2514600" cy="2609850"/>
+            <a:off x="1115616" y="1124744"/>
+            <a:ext cx="2664296" cy="3010338"/>
           </a:xfrm>
           <a:prstGeom prst="rect">
             <a:avLst/>
@@ -9618,15 +9595,15 @@
           <p:nvPr/>
         </p:nvPicPr>
         <p:blipFill>
-          <a:blip r:embed="rId5"/>
+          <a:blip r:embed="rId4"/>
           <a:stretch>
             <a:fillRect/>
           </a:stretch>
         </p:blipFill>
         <p:spPr>
           <a:xfrm>
-            <a:off x="4128800" y="3820600"/>
-            <a:ext cx="2687900" cy="1663949"/>
+            <a:off x="4283968" y="1157908"/>
+            <a:ext cx="2880320" cy="1911052"/>
           </a:xfrm>
           <a:prstGeom prst="rect">
             <a:avLst/>
@@ -9641,8 +9618,8 @@
         </p:nvSpPr>
         <p:spPr>
           <a:xfrm>
-            <a:off x="4035850" y="5634600"/>
-            <a:ext cx="5009100" cy="1140899"/>
+            <a:off x="1115616" y="4293096"/>
+            <a:ext cx="7128792" cy="2004995"/>
           </a:xfrm>
           <a:prstGeom prst="rect">
             <a:avLst/>
@@ -9661,12 +9638,54 @@
               <a:buNone/>
             </a:pPr>
             <a:r>
-              <a:rPr lang="ko" sz="1200" b="1" dirty="0">
+              <a:rPr lang="ko" sz="1800" dirty="0">
                 <a:solidFill>
                   <a:schemeClr val="dk1"/>
                 </a:solidFill>
-              </a:rPr>
-              <a:t>CountSpliterReceiveFilter, FixedSizeReceiveFilter, BeginEndMarkReceiveFilter, FixedHeaderReceiveFilter 를 사용하기 위해서 'SuperSocket.Facility'가 필요한데 기본으로 등록되지 않으므로 NuGet으로 받은 package 디렉토리에서 선택해서 추가한다.</a:t>
+                <a:latin typeface="+mn-ea"/>
+                <a:ea typeface="+mn-ea"/>
+              </a:rPr>
+              <a:t>CountSpliterReceiveFilter, FixedSizeReceiveFilter, BeginEndMarkReceiveFilter, FixedHeaderReceiveFilter 를 </a:t>
+            </a:r>
+            <a:r>
+              <a:rPr lang="ko" sz="1800">
+                <a:solidFill>
+                  <a:schemeClr val="dk1"/>
+                </a:solidFill>
+                <a:latin typeface="+mn-ea"/>
+                <a:ea typeface="+mn-ea"/>
+              </a:rPr>
+              <a:t>사용하기 위해서</a:t>
+            </a:r>
+            <a:r>
+              <a:rPr lang="ko-KR" altLang="en-US" sz="1800">
+                <a:solidFill>
+                  <a:schemeClr val="dk1"/>
+                </a:solidFill>
+                <a:latin typeface="+mn-ea"/>
+                <a:ea typeface="+mn-ea"/>
+              </a:rPr>
+              <a:t>는</a:t>
+            </a:r>
+            <a:r>
+              <a:rPr lang="ko" sz="1800">
+                <a:solidFill>
+                  <a:schemeClr val="dk1"/>
+                </a:solidFill>
+                <a:latin typeface="+mn-ea"/>
+                <a:ea typeface="+mn-ea"/>
+              </a:rPr>
+              <a:t> </a:t>
+            </a:r>
+            <a:r>
+              <a:rPr lang="ko" sz="1800" dirty="0">
+                <a:solidFill>
+                  <a:schemeClr val="dk1"/>
+                </a:solidFill>
+                <a:latin typeface="+mn-ea"/>
+                <a:ea typeface="+mn-ea"/>
+              </a:rPr>
+              <a:t>'SuperSocket.Facility'가 필요한데 기본으로 등록되지 않으므로 NuGet으로 받은 package 디렉토리에서 선택해서 추가한다.</a:t>
             </a:r>
           </a:p>
           <a:p>
@@ -9677,10 +9696,12 @@
               <a:buNone/>
             </a:pPr>
             <a:r>
-              <a:rPr lang="ko" sz="1200" b="1" dirty="0">
+              <a:rPr lang="ko" sz="1800" dirty="0">
                 <a:solidFill>
                   <a:schemeClr val="dk1"/>
                 </a:solidFill>
+                <a:latin typeface="+mn-ea"/>
+                <a:ea typeface="+mn-ea"/>
               </a:rPr>
               <a:t> </a:t>
             </a:r>
@@ -9688,6 +9709,11 @@
         </p:txBody>
       </p:sp>
     </p:spTree>
+    <p:extLst>
+      <p:ext uri="{BB962C8B-B14F-4D97-AF65-F5344CB8AC3E}">
+        <p14:creationId xmlns:p14="http://schemas.microsoft.com/office/powerpoint/2010/main" val="3102874153"/>
+      </p:ext>
+    </p:extLst>
   </p:cSld>
   <p:clrMapOvr>
     <a:masterClrMapping/>
@@ -10875,136 +10901,52 @@
           <a:chExt cx="0" cy="0"/>
         </a:xfrm>
       </p:grpSpPr>
-      <p:pic>
-        <p:nvPicPr>
-          <p:cNvPr id="1026" name="Picture 2" descr="C#에 대한 이미지 검색결과">
-            <a:hlinkClick r:id="rId3"/>
-          </p:cNvPr>
-          <p:cNvPicPr>
-            <a:picLocks noChangeAspect="1" noChangeArrowheads="1"/>
-          </p:cNvPicPr>
+      <p:sp>
+        <p:nvSpPr>
+          <p:cNvPr id="2" name="TextBox 1"/>
+          <p:cNvSpPr txBox="1"/>
           <p:nvPr/>
-        </p:nvPicPr>
-        <p:blipFill>
-          <a:blip r:embed="rId4">
-            <a:extLst>
-              <a:ext uri="{28A0092B-C50C-407E-A947-70E740481C1C}">
-                <a14:useLocalDpi xmlns:a14="http://schemas.microsoft.com/office/drawing/2010/main" val="0"/>
-              </a:ext>
-            </a:extLst>
-          </a:blip>
-          <a:srcRect/>
-          <a:stretch>
-            <a:fillRect/>
-          </a:stretch>
-        </p:blipFill>
-        <p:spPr bwMode="auto">
+        </p:nvSpPr>
+        <p:spPr>
           <a:xfrm>
-            <a:off x="377006" y="1920540"/>
-            <a:ext cx="2794050" cy="2794050"/>
+            <a:off x="827584" y="980728"/>
+            <a:ext cx="7416824" cy="3877985"/>
           </a:xfrm>
           <a:prstGeom prst="rect">
             <a:avLst/>
           </a:prstGeom>
           <a:noFill/>
-          <a:extLst>
-            <a:ext uri="{909E8E84-426E-40DD-AFC4-6F175D3DCCD1}">
-              <a14:hiddenFill xmlns:a14="http://schemas.microsoft.com/office/drawing/2010/main">
-                <a:solidFill>
-                  <a:srgbClr val="FFFFFF"/>
-                </a:solidFill>
-              </a14:hiddenFill>
-            </a:ext>
-          </a:extLst>
         </p:spPr>
-      </p:pic>
-      <p:pic>
-        <p:nvPicPr>
-          <p:cNvPr id="1028" name="Picture 4" descr="unity3d에 대한 이미지 검색결과">
-            <a:hlinkClick r:id="rId5"/>
-          </p:cNvPr>
-          <p:cNvPicPr>
-            <a:picLocks noChangeAspect="1" noChangeArrowheads="1"/>
-          </p:cNvPicPr>
-          <p:nvPr/>
-        </p:nvPicPr>
-        <p:blipFill>
-          <a:blip r:embed="rId6">
-            <a:extLst>
-              <a:ext uri="{28A0092B-C50C-407E-A947-70E740481C1C}">
-                <a14:useLocalDpi xmlns:a14="http://schemas.microsoft.com/office/drawing/2010/main" val="0"/>
-              </a:ext>
-            </a:extLst>
-          </a:blip>
-          <a:srcRect/>
-          <a:stretch>
-            <a:fillRect/>
-          </a:stretch>
-        </p:blipFill>
-        <p:spPr bwMode="auto">
-          <a:xfrm>
-            <a:off x="3027040" y="2564904"/>
-            <a:ext cx="3345160" cy="1505322"/>
-          </a:xfrm>
-          <a:prstGeom prst="rect">
-            <a:avLst/>
-          </a:prstGeom>
-          <a:noFill/>
-          <a:extLst>
-            <a:ext uri="{909E8E84-426E-40DD-AFC4-6F175D3DCCD1}">
-              <a14:hiddenFill xmlns:a14="http://schemas.microsoft.com/office/drawing/2010/main">
-                <a:solidFill>
-                  <a:srgbClr val="FFFFFF"/>
-                </a:solidFill>
-              </a14:hiddenFill>
-            </a:ext>
-          </a:extLst>
-        </p:spPr>
-      </p:pic>
-      <p:pic>
-        <p:nvPicPr>
-          <p:cNvPr id="1030" name="Picture 6" descr="C++에 대한 이미지 검색결과">
-            <a:hlinkClick r:id="rId7"/>
-          </p:cNvPr>
-          <p:cNvPicPr>
-            <a:picLocks noChangeAspect="1" noChangeArrowheads="1"/>
-          </p:cNvPicPr>
-          <p:nvPr/>
-        </p:nvPicPr>
-        <p:blipFill>
-          <a:blip r:embed="rId8">
-            <a:extLst>
-              <a:ext uri="{28A0092B-C50C-407E-A947-70E740481C1C}">
-                <a14:useLocalDpi xmlns:a14="http://schemas.microsoft.com/office/drawing/2010/main" val="0"/>
-              </a:ext>
-            </a:extLst>
-          </a:blip>
-          <a:srcRect/>
-          <a:stretch>
-            <a:fillRect/>
-          </a:stretch>
-        </p:blipFill>
-        <p:spPr bwMode="auto">
-          <a:xfrm>
-            <a:off x="6228184" y="1844824"/>
-            <a:ext cx="2541847" cy="2670994"/>
-          </a:xfrm>
-          <a:prstGeom prst="rect">
-            <a:avLst/>
-          </a:prstGeom>
-          <a:noFill/>
-          <a:extLst>
-            <a:ext uri="{909E8E84-426E-40DD-AFC4-6F175D3DCCD1}">
-              <a14:hiddenFill xmlns:a14="http://schemas.microsoft.com/office/drawing/2010/main">
-                <a:solidFill>
-                  <a:srgbClr val="FFFFFF"/>
-                </a:solidFill>
-              </a14:hiddenFill>
-            </a:ext>
-          </a:extLst>
-        </p:spPr>
-      </p:pic>
+        <p:txBody>
+          <a:bodyPr wrap="square" rtlCol="0">
+            <a:spAutoFit/>
+          </a:bodyPr>
+          <a:lstStyle/>
+          <a:p>
+            <a:r>
+              <a:rPr lang="en-US" altLang="ko-KR" sz="4800" dirty="0"/>
+              <a:t>Windows </a:t>
+            </a:r>
+            <a:r>
+              <a:rPr lang="ko-KR" altLang="en-US" sz="4800" dirty="0"/>
+              <a:t>플랫폼에서 고성능 네트워크 프로그램을 만들 때 가장 자주 사용하는 기술은 </a:t>
+            </a:r>
+            <a:endParaRPr lang="en-US" altLang="ko-KR" sz="4800" dirty="0"/>
+          </a:p>
+          <a:p>
+            <a:r>
+              <a:rPr lang="en-US" altLang="ko-KR" sz="5400" b="1" dirty="0"/>
+              <a:t>C++ &amp; IOCP</a:t>
+            </a:r>
+          </a:p>
+        </p:txBody>
+      </p:sp>
     </p:spTree>
+    <p:extLst>
+      <p:ext uri="{BB962C8B-B14F-4D97-AF65-F5344CB8AC3E}">
+        <p14:creationId xmlns:p14="http://schemas.microsoft.com/office/powerpoint/2010/main" val="675097815"/>
+      </p:ext>
+    </p:extLst>
   </p:cSld>
   <p:clrMapOvr>
     <a:masterClrMapping/>
@@ -14163,50 +14105,120 @@
           <a:chExt cx="0" cy="0"/>
         </a:xfrm>
       </p:grpSpPr>
-      <p:sp>
-        <p:nvSpPr>
-          <p:cNvPr id="2" name="TextBox 1"/>
-          <p:cNvSpPr txBox="1"/>
+      <p:pic>
+        <p:nvPicPr>
+          <p:cNvPr id="1026" name="Picture 2" descr="unity3d에 대한 이미지 검색결과">
+            <a:hlinkClick r:id="rId3"/>
+          </p:cNvPr>
+          <p:cNvPicPr>
+            <a:picLocks noChangeAspect="1" noChangeArrowheads="1"/>
+          </p:cNvPicPr>
           <p:nvPr/>
-        </p:nvSpPr>
-        <p:spPr>
+        </p:nvPicPr>
+        <p:blipFill>
+          <a:blip r:embed="rId4">
+            <a:extLst>
+              <a:ext uri="{28A0092B-C50C-407E-A947-70E740481C1C}">
+                <a14:useLocalDpi xmlns:a14="http://schemas.microsoft.com/office/drawing/2010/main" val="0"/>
+              </a:ext>
+            </a:extLst>
+          </a:blip>
+          <a:srcRect/>
+          <a:stretch>
+            <a:fillRect/>
+          </a:stretch>
+        </p:blipFill>
+        <p:spPr bwMode="auto">
           <a:xfrm>
-            <a:off x="827584" y="980728"/>
-            <a:ext cx="7416824" cy="3877985"/>
+            <a:off x="611560" y="4005064"/>
+            <a:ext cx="3960440" cy="1782198"/>
           </a:xfrm>
           <a:prstGeom prst="rect">
             <a:avLst/>
           </a:prstGeom>
           <a:noFill/>
+          <a:extLst>
+            <a:ext uri="{909E8E84-426E-40DD-AFC4-6F175D3DCCD1}">
+              <a14:hiddenFill xmlns:a14="http://schemas.microsoft.com/office/drawing/2010/main">
+                <a:solidFill>
+                  <a:srgbClr val="FFFFFF"/>
+                </a:solidFill>
+              </a14:hiddenFill>
+            </a:ext>
+          </a:extLst>
         </p:spPr>
-        <p:txBody>
-          <a:bodyPr wrap="square" rtlCol="0">
-            <a:spAutoFit/>
-          </a:bodyPr>
-          <a:lstStyle/>
-          <a:p>
-            <a:r>
-              <a:rPr lang="en-US" altLang="ko-KR" sz="4800" dirty="0"/>
-              <a:t>Windows </a:t>
-            </a:r>
-            <a:r>
-              <a:rPr lang="ko-KR" altLang="en-US" sz="4800" dirty="0"/>
-              <a:t>플랫폼에서 고성능 네트워크 프로그램을 만들 때 가장 자주 사용하는 기술은 </a:t>
-            </a:r>
-            <a:endParaRPr lang="en-US" altLang="ko-KR" sz="4800" dirty="0"/>
-          </a:p>
-          <a:p>
-            <a:r>
-              <a:rPr lang="en-US" altLang="ko-KR" sz="5400" b="1" dirty="0"/>
-              <a:t>C++ &amp; IOCP</a:t>
-            </a:r>
-          </a:p>
-        </p:txBody>
-      </p:sp>
+      </p:pic>
+      <p:pic>
+        <p:nvPicPr>
+          <p:cNvPr id="1028" name="Picture 4" descr="C#에 대한 이미지 검색결과">
+            <a:hlinkClick r:id="rId5"/>
+          </p:cNvPr>
+          <p:cNvPicPr>
+            <a:picLocks noChangeAspect="1" noChangeArrowheads="1"/>
+          </p:cNvPicPr>
+          <p:nvPr/>
+        </p:nvPicPr>
+        <p:blipFill>
+          <a:blip r:embed="rId6">
+            <a:extLst>
+              <a:ext uri="{28A0092B-C50C-407E-A947-70E740481C1C}">
+                <a14:useLocalDpi xmlns:a14="http://schemas.microsoft.com/office/drawing/2010/main" val="0"/>
+              </a:ext>
+            </a:extLst>
+          </a:blip>
+          <a:srcRect/>
+          <a:stretch>
+            <a:fillRect/>
+          </a:stretch>
+        </p:blipFill>
+        <p:spPr bwMode="auto">
+          <a:xfrm>
+            <a:off x="5580112" y="3645024"/>
+            <a:ext cx="2779787" cy="2779787"/>
+          </a:xfrm>
+          <a:prstGeom prst="rect">
+            <a:avLst/>
+          </a:prstGeom>
+          <a:noFill/>
+          <a:extLst>
+            <a:ext uri="{909E8E84-426E-40DD-AFC4-6F175D3DCCD1}">
+              <a14:hiddenFill xmlns:a14="http://schemas.microsoft.com/office/drawing/2010/main">
+                <a:solidFill>
+                  <a:srgbClr val="FFFFFF"/>
+                </a:solidFill>
+              </a14:hiddenFill>
+            </a:ext>
+          </a:extLst>
+        </p:spPr>
+      </p:pic>
+      <p:pic>
+        <p:nvPicPr>
+          <p:cNvPr id="3" name="그림 2"/>
+          <p:cNvPicPr>
+            <a:picLocks noChangeAspect="1"/>
+          </p:cNvPicPr>
+          <p:nvPr/>
+        </p:nvPicPr>
+        <p:blipFill>
+          <a:blip r:embed="rId7"/>
+          <a:stretch>
+            <a:fillRect/>
+          </a:stretch>
+        </p:blipFill>
+        <p:spPr>
+          <a:xfrm>
+            <a:off x="611560" y="692696"/>
+            <a:ext cx="7812360" cy="2738743"/>
+          </a:xfrm>
+          <a:prstGeom prst="rect">
+            <a:avLst/>
+          </a:prstGeom>
+        </p:spPr>
+      </p:pic>
     </p:spTree>
     <p:extLst>
       <p:ext uri="{BB962C8B-B14F-4D97-AF65-F5344CB8AC3E}">
-        <p14:creationId xmlns:p14="http://schemas.microsoft.com/office/powerpoint/2010/main" val="675097815"/>
+        <p14:creationId xmlns:p14="http://schemas.microsoft.com/office/powerpoint/2010/main" val="355321292"/>
       </p:ext>
     </p:extLst>
   </p:cSld>
@@ -22827,32 +22839,8 @@
         </p:blipFill>
         <p:spPr>
           <a:xfrm>
-            <a:off x="1691680" y="404664"/>
-            <a:ext cx="5619775" cy="2481646"/>
-          </a:xfrm>
-          <a:prstGeom prst="rect">
-            <a:avLst/>
-          </a:prstGeom>
-        </p:spPr>
-      </p:pic>
-      <p:pic>
-        <p:nvPicPr>
-          <p:cNvPr id="4" name="그림 3"/>
-          <p:cNvPicPr>
-            <a:picLocks noChangeAspect="1"/>
-          </p:cNvPicPr>
-          <p:nvPr/>
-        </p:nvPicPr>
-        <p:blipFill>
-          <a:blip r:embed="rId4"/>
-          <a:stretch>
-            <a:fillRect/>
-          </a:stretch>
-        </p:blipFill>
-        <p:spPr>
-          <a:xfrm>
-            <a:off x="1732664" y="2996952"/>
-            <a:ext cx="5547767" cy="3482488"/>
+            <a:off x="323528" y="476672"/>
+            <a:ext cx="8405489" cy="3540928"/>
           </a:xfrm>
           <a:prstGeom prst="rect">
             <a:avLst/>
@@ -22861,37 +22849,104 @@
       </p:pic>
       <p:sp>
         <p:nvSpPr>
-          <p:cNvPr id="5" name="직사각형 4"/>
-          <p:cNvSpPr/>
+          <p:cNvPr id="4" name="TextBox 3"/>
+          <p:cNvSpPr txBox="1"/>
           <p:nvPr/>
         </p:nvSpPr>
         <p:spPr>
           <a:xfrm>
-            <a:off x="1547664" y="6548593"/>
-            <a:ext cx="6452847" cy="307777"/>
+            <a:off x="2339752" y="4365104"/>
+            <a:ext cx="5256584" cy="2308324"/>
+          </a:xfrm>
+          <a:prstGeom prst="rect">
+            <a:avLst/>
+          </a:prstGeom>
+          <a:noFill/>
+        </p:spPr>
+        <p:txBody>
+          <a:bodyPr wrap="square" rtlCol="0">
+            <a:spAutoFit/>
+          </a:bodyPr>
+          <a:lstStyle/>
+          <a:p>
+            <a:r>
+              <a:rPr lang="ko-KR" altLang="en-US" sz="4800" b="1">
+                <a:latin typeface="+mn-ea"/>
+                <a:ea typeface="+mn-ea"/>
+              </a:rPr>
+              <a:t>사용하기 쉽고</a:t>
+            </a:r>
+            <a:r>
+              <a:rPr lang="en-US" altLang="ko-KR" sz="4800" b="1">
+                <a:latin typeface="+mn-ea"/>
+                <a:ea typeface="+mn-ea"/>
+              </a:rPr>
+              <a:t>,</a:t>
+            </a:r>
+          </a:p>
+          <a:p>
+            <a:r>
+              <a:rPr lang="ko-KR" altLang="en-US" sz="4800" b="1">
+                <a:latin typeface="+mn-ea"/>
+                <a:ea typeface="+mn-ea"/>
+              </a:rPr>
+              <a:t>고 성능이고</a:t>
+            </a:r>
+            <a:r>
+              <a:rPr lang="en-US" altLang="ko-KR" sz="4800" b="1">
+                <a:latin typeface="+mn-ea"/>
+                <a:ea typeface="+mn-ea"/>
+              </a:rPr>
+              <a:t>,</a:t>
+            </a:r>
+          </a:p>
+          <a:p>
+            <a:r>
+              <a:rPr lang="ko-KR" altLang="en-US" sz="4800" b="1">
+                <a:latin typeface="+mn-ea"/>
+                <a:ea typeface="+mn-ea"/>
+              </a:rPr>
+              <a:t>안전하다</a:t>
+            </a:r>
+          </a:p>
+        </p:txBody>
+      </p:sp>
+      <p:sp>
+        <p:nvSpPr>
+          <p:cNvPr id="35" name="Shape 35"/>
+          <p:cNvSpPr txBox="1"/>
+          <p:nvPr/>
+        </p:nvSpPr>
+        <p:spPr>
+          <a:xfrm>
+            <a:off x="2339752" y="3725047"/>
+            <a:ext cx="3926099" cy="299399"/>
           </a:xfrm>
           <a:prstGeom prst="rect">
             <a:avLst/>
           </a:prstGeom>
         </p:spPr>
         <p:txBody>
-          <a:bodyPr wrap="square">
-            <a:spAutoFit/>
+          <a:bodyPr lIns="91425" tIns="91425" rIns="91425" bIns="91425" anchor="ctr" anchorCtr="0">
+            <a:noAutofit/>
           </a:bodyPr>
           <a:lstStyle/>
           <a:p>
-            <a:r>
-              <a:rPr lang="ko-KR" altLang="en-US" dirty="0"/>
-              <a:t>16개의 프로그래밍 언어를 무기로 비유해 보자 </a:t>
-            </a:r>
-            <a:r>
-              <a:rPr lang="ko-KR" altLang="en-US" dirty="0">
-                <a:hlinkClick r:id="rId5"/>
-              </a:rPr>
-              <a:t>http://ppss.kr/archives/28991</a:t>
-            </a:r>
-            <a:r>
-              <a:rPr lang="ko-KR" altLang="en-US" dirty="0"/>
+            <a:pPr lvl="0" algn="ctr"/>
+            <a:r>
+              <a:rPr lang="en-US" altLang="ko" sz="1000" u="sng">
+                <a:solidFill>
+                  <a:schemeClr val="hlink"/>
+                </a:solidFill>
+              </a:rPr>
+              <a:t>http://www.supersocket.net/</a:t>
+            </a:r>
+            <a:r>
+              <a:rPr lang="ko" sz="1000">
+                <a:solidFill>
+                  <a:schemeClr val="dk1"/>
+                </a:solidFill>
+              </a:rPr>
               <a:t> </a:t>
             </a:r>
           </a:p>
@@ -22900,7 +22955,7 @@
     </p:spTree>
     <p:extLst>
       <p:ext uri="{BB962C8B-B14F-4D97-AF65-F5344CB8AC3E}">
-        <p14:creationId xmlns:p14="http://schemas.microsoft.com/office/powerpoint/2010/main" val="4003533949"/>
+        <p14:creationId xmlns:p14="http://schemas.microsoft.com/office/powerpoint/2010/main" val="3011522005"/>
       </p:ext>
     </p:extLst>
   </p:cSld>
@@ -25890,7 +25945,7 @@
   <p:cSld>
     <p:spTree>
       <p:nvGrpSpPr>
-        <p:cNvPr id="1" name="Shape 33"/>
+        <p:cNvPr id="1" name="Shape 28"/>
         <p:cNvGrpSpPr/>
         <p:nvPr/>
       </p:nvGrpSpPr>
@@ -25904,61 +25959,244 @@
       </p:grpSpPr>
       <p:sp>
         <p:nvSpPr>
-          <p:cNvPr id="2" name="TextBox 1"/>
+          <p:cNvPr id="29" name="Shape 29"/>
           <p:cNvSpPr txBox="1"/>
           <p:nvPr/>
         </p:nvSpPr>
         <p:spPr>
           <a:xfrm>
-            <a:off x="827584" y="908720"/>
-            <a:ext cx="7776864" cy="3046988"/>
+            <a:off x="485424" y="1052736"/>
+            <a:ext cx="8263039" cy="4544399"/>
           </a:xfrm>
           <a:prstGeom prst="rect">
             <a:avLst/>
           </a:prstGeom>
-          <a:noFill/>
         </p:spPr>
         <p:txBody>
-          <a:bodyPr wrap="square" rtlCol="0">
-            <a:spAutoFit/>
+          <a:bodyPr lIns="91425" tIns="91425" rIns="91425" bIns="91425" anchor="t" anchorCtr="0">
+            <a:noAutofit/>
           </a:bodyPr>
           <a:lstStyle/>
           <a:p>
-            <a:r>
-              <a:rPr lang="en-US" altLang="ko-KR" sz="4800" dirty="0"/>
-              <a:t>CPU </a:t>
-            </a:r>
-            <a:r>
-              <a:rPr lang="ko-KR" altLang="en-US" sz="4800" dirty="0"/>
-              <a:t>바운드</a:t>
-            </a:r>
-            <a:r>
-              <a:rPr lang="en-US" altLang="ko-KR" sz="4800" dirty="0"/>
-              <a:t>,</a:t>
-            </a:r>
-          </a:p>
-          <a:p>
-            <a:r>
-              <a:rPr lang="ko-KR" altLang="en-US" sz="4800" dirty="0"/>
-              <a:t>하나의 프로세스에서 많은 클라이언트를 처리하는 경우는 </a:t>
-            </a:r>
-            <a:r>
-              <a:rPr lang="en-US" altLang="ko-KR" sz="4800" dirty="0"/>
-              <a:t>C++</a:t>
-            </a:r>
-            <a:r>
-              <a:rPr lang="ko-KR" altLang="en-US" sz="4800" dirty="0"/>
-              <a:t>로</a:t>
-            </a:r>
+            <a:pPr marL="457200" lvl="0" indent="-381000" rtl="0">
+              <a:buClr>
+                <a:srgbClr val="000000"/>
+              </a:buClr>
+              <a:buSzPct val="100000"/>
+              <a:buFont typeface="Arial"/>
+              <a:buChar char="●"/>
+            </a:pPr>
+            <a:r>
+              <a:rPr lang="ko" sz="2400" dirty="0"/>
+              <a:t>.NET 플랫폼용 오픈 소스 네트워크 라이브러리</a:t>
+            </a:r>
+            <a:br>
+              <a:rPr lang="ko" sz="2400" dirty="0"/>
+            </a:br>
+            <a:r>
+              <a:rPr lang="ko" sz="2400" dirty="0"/>
+              <a:t>3.5 ~ 4.5까지 지원.</a:t>
+            </a:r>
+            <a:br>
+              <a:rPr lang="en-US" altLang="ko" sz="2400" dirty="0"/>
+            </a:br>
+            <a:endParaRPr lang="ko" sz="2400" dirty="0"/>
+          </a:p>
+          <a:p>
+            <a:pPr marL="457200" lvl="0" indent="-381000" rtl="0">
+              <a:buClr>
+                <a:srgbClr val="000000"/>
+              </a:buClr>
+              <a:buSzPct val="100000"/>
+              <a:buFont typeface="Arial"/>
+              <a:buChar char="●"/>
+            </a:pPr>
+            <a:r>
+              <a:rPr lang="en-US" altLang="ko" sz="2400" dirty="0"/>
+              <a:t>Windows, Linux, </a:t>
+            </a:r>
+            <a:r>
+              <a:rPr lang="ko" sz="2400" dirty="0"/>
+              <a:t>Mono, Azure를 지원한다.</a:t>
+            </a:r>
+            <a:br>
+              <a:rPr lang="en-US" altLang="ko" sz="2400" dirty="0"/>
+            </a:br>
+            <a:endParaRPr lang="en-US" altLang="ko" sz="2400" dirty="0"/>
+          </a:p>
+          <a:p>
+            <a:pPr marL="457200" indent="-381000">
+              <a:buClr>
+                <a:srgbClr val="000000"/>
+              </a:buClr>
+              <a:buSzPct val="100000"/>
+              <a:buFont typeface="Arial"/>
+              <a:buChar char="●"/>
+            </a:pPr>
+            <a:r>
+              <a:rPr lang="ko" altLang="ko-KR" sz="2400" dirty="0">
+                <a:solidFill>
+                  <a:schemeClr val="dk1"/>
+                </a:solidFill>
+              </a:rPr>
+              <a:t>비동기 I/O를 지원. TCP, UDP</a:t>
+            </a:r>
+            <a:br>
+              <a:rPr lang="en-US" altLang="ko" sz="2400" dirty="0"/>
+            </a:br>
+            <a:endParaRPr lang="en-US" altLang="ko" sz="2400" dirty="0"/>
+          </a:p>
+          <a:p>
+            <a:pPr marL="457200" indent="-381000">
+              <a:buClr>
+                <a:srgbClr val="000000"/>
+              </a:buClr>
+              <a:buSzPct val="100000"/>
+              <a:buFont typeface="Arial"/>
+              <a:buChar char="●"/>
+            </a:pPr>
+            <a:r>
+              <a:rPr lang="en-US" altLang="ko" sz="2400" dirty="0"/>
+              <a:t>S</a:t>
+            </a:r>
+            <a:r>
+              <a:rPr lang="en-US" altLang="ko-KR" sz="2400" dirty="0"/>
+              <a:t>SL</a:t>
+            </a:r>
+            <a:r>
+              <a:rPr lang="en-US" altLang="ko" sz="2400" dirty="0"/>
+              <a:t>/TLS </a:t>
+            </a:r>
+            <a:r>
+              <a:rPr lang="ko-KR" altLang="en-US" sz="2400" dirty="0"/>
+              <a:t>지원</a:t>
+            </a:r>
+            <a:r>
+              <a:rPr lang="en-US" altLang="ko-KR" sz="2400" dirty="0"/>
+              <a:t>, </a:t>
+            </a:r>
+            <a:r>
+              <a:rPr lang="ko-KR" altLang="en-US" sz="2400" dirty="0"/>
+              <a:t>확장 기능 등 다양한 기능 지원</a:t>
+            </a:r>
+            <a:br>
+              <a:rPr lang="en-US" altLang="ko-KR" sz="2400" dirty="0"/>
+            </a:br>
+            <a:endParaRPr lang="ko" sz="2400" dirty="0"/>
+          </a:p>
+          <a:p>
+            <a:pPr marL="457200" lvl="0" indent="-381000">
+              <a:buClr>
+                <a:srgbClr val="000000"/>
+              </a:buClr>
+              <a:buSzPct val="100000"/>
+              <a:buFont typeface="Arial"/>
+              <a:buChar char="●"/>
+            </a:pPr>
+            <a:r>
+              <a:rPr lang="ko" sz="2400" dirty="0"/>
+              <a:t>공식 사이트 </a:t>
+            </a:r>
+            <a:r>
+              <a:rPr lang="ko" sz="2400" u="sng" dirty="0">
+                <a:solidFill>
+                  <a:schemeClr val="hlink"/>
+                </a:solidFill>
+                <a:hlinkClick r:id="rId3" invalidUrl="http:///"/>
+              </a:rPr>
+              <a:t>http</a:t>
+            </a:r>
+            <a:r>
+              <a:rPr lang="ko" sz="2400" u="sng" dirty="0">
+                <a:solidFill>
+                  <a:schemeClr val="hlink"/>
+                </a:solidFill>
+                <a:hlinkClick r:id="rId4" invalidUrl="http:///"/>
+              </a:rPr>
+              <a:t>://</a:t>
+            </a:r>
+            <a:r>
+              <a:rPr lang="en-US" altLang="ko-KR" sz="2400" u="sng" dirty="0">
+                <a:solidFill>
+                  <a:schemeClr val="hlink"/>
+                </a:solidFill>
+                <a:hlinkClick r:id="rId5"/>
+              </a:rPr>
+              <a:t>www</a:t>
+            </a:r>
+            <a:r>
+              <a:rPr lang="en-US" altLang="ko-KR" sz="2400" u="sng" dirty="0">
+                <a:solidFill>
+                  <a:schemeClr val="hlink"/>
+                </a:solidFill>
+              </a:rPr>
+              <a:t>.</a:t>
+            </a:r>
+            <a:r>
+              <a:rPr lang="ko" altLang="ko-KR" sz="2400" u="sng" dirty="0">
+                <a:solidFill>
+                  <a:schemeClr val="hlink"/>
+                </a:solidFill>
+                <a:hlinkClick r:id="rId6"/>
+              </a:rPr>
+              <a:t>supersocket.net</a:t>
+            </a:r>
+            <a:r>
+              <a:rPr lang="ko" sz="2400" dirty="0">
+                <a:solidFill>
+                  <a:schemeClr val="dk1"/>
+                </a:solidFill>
+              </a:rPr>
+              <a:t> </a:t>
+            </a:r>
+            <a:br>
+              <a:rPr lang="ko" sz="2400" dirty="0">
+                <a:solidFill>
+                  <a:schemeClr val="dk1"/>
+                </a:solidFill>
+              </a:rPr>
+            </a:br>
+            <a:r>
+              <a:rPr lang="ko" sz="2400" dirty="0">
+                <a:solidFill>
+                  <a:schemeClr val="dk1"/>
+                </a:solidFill>
+              </a:rPr>
+              <a:t>문서는 </a:t>
+            </a:r>
+            <a:r>
+              <a:rPr lang="ko" sz="2400" u="sng" dirty="0">
+                <a:solidFill>
+                  <a:schemeClr val="hlink"/>
+                </a:solidFill>
+                <a:hlinkClick r:id="rId5"/>
+              </a:rPr>
+              <a:t>http://docs.supersocket.net/</a:t>
+            </a:r>
+            <a:r>
+              <a:rPr lang="ko" sz="2400" dirty="0">
+                <a:solidFill>
+                  <a:schemeClr val="dk1"/>
+                </a:solidFill>
+              </a:rPr>
+              <a:t> </a:t>
+            </a:r>
+            <a:br>
+              <a:rPr lang="en-US" altLang="ko" sz="2400" dirty="0">
+                <a:solidFill>
+                  <a:schemeClr val="dk1"/>
+                </a:solidFill>
+              </a:rPr>
+            </a:br>
+            <a:endParaRPr lang="ko" sz="2400" dirty="0">
+              <a:solidFill>
+                <a:schemeClr val="dk1"/>
+              </a:solidFill>
+            </a:endParaRPr>
           </a:p>
         </p:txBody>
       </p:sp>
     </p:spTree>
-    <p:extLst>
-      <p:ext uri="{BB962C8B-B14F-4D97-AF65-F5344CB8AC3E}">
-        <p14:creationId xmlns:p14="http://schemas.microsoft.com/office/powerpoint/2010/main" val="3208027385"/>
-      </p:ext>
-    </p:extLst>
   </p:cSld>
   <p:clrMapOvr>
     <a:masterClrMapping/>
@@ -26215,208 +26453,341 @@
           </a:bodyPr>
           <a:lstStyle/>
           <a:p>
-            <a:pPr marL="457200" lvl="0" indent="-381000" rtl="0">
+            <a:pPr marL="457200" lvl="0" indent="-381000">
               <a:buClr>
-                <a:srgbClr val="000000"/>
+                <a:schemeClr val="dk1"/>
               </a:buClr>
               <a:buSzPct val="100000"/>
               <a:buFont typeface="Arial"/>
               <a:buChar char="●"/>
             </a:pPr>
             <a:r>
-              <a:rPr lang="ko" sz="2400" dirty="0"/>
-              <a:t>.NET 플랫폼용 오픈 소스 네트워크 라이브러리</a:t>
-            </a:r>
-            <a:br>
-              <a:rPr lang="ko" sz="2400" dirty="0"/>
-            </a:br>
-            <a:r>
-              <a:rPr lang="ko" sz="2400" dirty="0"/>
-              <a:t>3.5 ~ 4.5까지 지원.</a:t>
-            </a:r>
-            <a:br>
-              <a:rPr lang="en-US" altLang="ko" sz="2400" dirty="0"/>
-            </a:br>
-            <a:endParaRPr lang="ko" sz="2400" dirty="0"/>
-          </a:p>
-          <a:p>
-            <a:pPr marL="457200" lvl="0" indent="-381000" rtl="0">
+              <a:rPr lang="ko" sz="2400" dirty="0">
+                <a:solidFill>
+                  <a:schemeClr val="dk1"/>
+                </a:solidFill>
+              </a:rPr>
+              <a:t>현재(201</a:t>
+            </a:r>
+            <a:r>
+              <a:rPr lang="en-US" altLang="ko" sz="2400" dirty="0">
+                <a:solidFill>
+                  <a:schemeClr val="dk1"/>
+                </a:solidFill>
+              </a:rPr>
+              <a:t>6</a:t>
+            </a:r>
+            <a:r>
+              <a:rPr lang="ko" sz="2400" dirty="0">
+                <a:solidFill>
+                  <a:schemeClr val="dk1"/>
+                </a:solidFill>
+              </a:rPr>
+              <a:t>.0</a:t>
+            </a:r>
+            <a:r>
+              <a:rPr lang="en-US" altLang="ko" sz="2400" dirty="0">
+                <a:solidFill>
+                  <a:schemeClr val="dk1"/>
+                </a:solidFill>
+              </a:rPr>
+              <a:t>9</a:t>
+            </a:r>
+            <a:r>
+              <a:rPr lang="ko" sz="2400" dirty="0">
+                <a:solidFill>
+                  <a:schemeClr val="dk1"/>
+                </a:solidFill>
+              </a:rPr>
+              <a:t>.</a:t>
+            </a:r>
+            <a:r>
+              <a:rPr lang="en-US" altLang="ko" sz="2400" dirty="0">
+                <a:solidFill>
+                  <a:schemeClr val="dk1"/>
+                </a:solidFill>
+              </a:rPr>
+              <a:t>02</a:t>
+            </a:r>
+            <a:r>
+              <a:rPr lang="ko" sz="2400" dirty="0">
+                <a:solidFill>
+                  <a:schemeClr val="dk1"/>
+                </a:solidFill>
+              </a:rPr>
+              <a:t>) </a:t>
+            </a:r>
+            <a:r>
+              <a:rPr lang="ko-KR" altLang="en-US" sz="2400" dirty="0">
+                <a:solidFill>
+                  <a:schemeClr val="dk1"/>
+                </a:solidFill>
+              </a:rPr>
+              <a:t>기준</a:t>
+            </a:r>
+            <a:br>
+              <a:rPr lang="en-US" altLang="ko-KR" sz="2400" dirty="0">
+                <a:solidFill>
+                  <a:schemeClr val="dk1"/>
+                </a:solidFill>
+              </a:rPr>
+            </a:br>
+            <a:endParaRPr lang="en-US" altLang="ko-KR" sz="2400" dirty="0">
+              <a:solidFill>
+                <a:schemeClr val="dk1"/>
+              </a:solidFill>
+            </a:endParaRPr>
+          </a:p>
+          <a:p>
+            <a:pPr marL="457200" lvl="0" indent="-381000">
               <a:buClr>
-                <a:srgbClr val="000000"/>
+                <a:schemeClr val="dk1"/>
               </a:buClr>
               <a:buSzPct val="100000"/>
               <a:buFont typeface="Arial"/>
               <a:buChar char="●"/>
             </a:pPr>
             <a:r>
-              <a:rPr lang="en-US" altLang="ko" sz="2400" dirty="0"/>
-              <a:t>Windows, Linux, </a:t>
-            </a:r>
-            <a:r>
-              <a:rPr lang="ko" sz="2400" dirty="0"/>
-              <a:t>Mono, Azure를 지원한다.</a:t>
-            </a:r>
-            <a:br>
-              <a:rPr lang="en-US" altLang="ko" sz="2400" dirty="0"/>
-            </a:br>
-            <a:endParaRPr lang="en-US" altLang="ko" sz="2400" dirty="0"/>
-          </a:p>
-          <a:p>
-            <a:pPr marL="457200" indent="-381000">
+              <a:rPr lang="en-US" altLang="ko" sz="2400" dirty="0">
+                <a:solidFill>
+                  <a:schemeClr val="dk1"/>
+                </a:solidFill>
+              </a:rPr>
+              <a:t>nugget </a:t>
+            </a:r>
+            <a:r>
+              <a:rPr lang="ko" sz="2400" dirty="0">
+                <a:solidFill>
+                  <a:schemeClr val="dk1"/>
+                </a:solidFill>
+              </a:rPr>
+              <a:t>최신 버전은 1.6</a:t>
+            </a:r>
+            <a:r>
+              <a:rPr lang="en-US" altLang="ko" sz="2400" dirty="0">
+                <a:solidFill>
+                  <a:schemeClr val="dk1"/>
+                </a:solidFill>
+              </a:rPr>
+              <a:t>.6.1</a:t>
+            </a:r>
+            <a:br>
+              <a:rPr lang="en-US" altLang="ko" sz="2400" dirty="0">
+                <a:solidFill>
+                  <a:schemeClr val="dk1"/>
+                </a:solidFill>
+              </a:rPr>
+            </a:br>
+            <a:r>
+              <a:rPr lang="en-US" altLang="ko" sz="2400" dirty="0">
+                <a:solidFill>
+                  <a:schemeClr val="dk1"/>
+                </a:solidFill>
+                <a:hlinkClick r:id="rId3"/>
+              </a:rPr>
+              <a:t>https://www.nugget.org/packages/SuperSocket/</a:t>
+            </a:r>
+            <a:r>
+              <a:rPr lang="en-US" altLang="ko" sz="2400" dirty="0">
+                <a:solidFill>
+                  <a:schemeClr val="dk1"/>
+                </a:solidFill>
+              </a:rPr>
+              <a:t> </a:t>
+            </a:r>
+            <a:br>
+              <a:rPr lang="en-US" altLang="ko" sz="2400" dirty="0">
+                <a:solidFill>
+                  <a:schemeClr val="dk1"/>
+                </a:solidFill>
+              </a:rPr>
+            </a:br>
+            <a:endParaRPr lang="en-US" altLang="ko" sz="2400" dirty="0">
+              <a:solidFill>
+                <a:schemeClr val="dk1"/>
+              </a:solidFill>
+            </a:endParaRPr>
+          </a:p>
+          <a:p>
+            <a:pPr marL="457200" lvl="0" indent="-381000">
               <a:buClr>
-                <a:srgbClr val="000000"/>
+                <a:schemeClr val="dk1"/>
               </a:buClr>
               <a:buSzPct val="100000"/>
               <a:buFont typeface="Arial"/>
               <a:buChar char="●"/>
             </a:pPr>
             <a:r>
-              <a:rPr lang="ko" altLang="ko-KR" sz="2400" dirty="0">
+              <a:rPr lang="en-US" altLang="ko" sz="2400" dirty="0" err="1">
                 <a:solidFill>
                   <a:schemeClr val="dk1"/>
                 </a:solidFill>
               </a:rPr>
-              <a:t>비동기 I/O를 지원. TCP, UDP</a:t>
-            </a:r>
-            <a:br>
-              <a:rPr lang="en-US" altLang="ko" sz="2400" dirty="0"/>
-            </a:br>
-            <a:endParaRPr lang="en-US" altLang="ko" sz="2400" dirty="0"/>
-          </a:p>
-          <a:p>
-            <a:pPr marL="457200" indent="-381000">
+              <a:t>GitHub</a:t>
+            </a:r>
+            <a:r>
+              <a:rPr lang="en-US" altLang="ko" sz="2400" dirty="0">
+                <a:solidFill>
+                  <a:schemeClr val="dk1"/>
+                </a:solidFill>
+              </a:rPr>
+              <a:t> </a:t>
+            </a:r>
+            <a:r>
+              <a:rPr lang="ko-KR" altLang="en-US" sz="2400" dirty="0">
+                <a:solidFill>
+                  <a:schemeClr val="dk1"/>
+                </a:solidFill>
+              </a:rPr>
+              <a:t>버전은 </a:t>
+            </a:r>
+            <a:r>
+              <a:rPr lang="en-US" altLang="ko-KR" sz="2400" dirty="0">
+                <a:solidFill>
+                  <a:schemeClr val="dk1"/>
+                </a:solidFill>
+              </a:rPr>
+              <a:t>1.</a:t>
+            </a:r>
+            <a:r>
+              <a:rPr lang="en-US" altLang="ko" sz="2400" dirty="0">
+                <a:solidFill>
+                  <a:schemeClr val="dk1"/>
+                </a:solidFill>
+              </a:rPr>
+              <a:t> 6.7</a:t>
+            </a:r>
+            <a:br>
+              <a:rPr lang="en-US" altLang="ko" sz="2400" dirty="0">
+                <a:solidFill>
+                  <a:schemeClr val="dk1"/>
+                </a:solidFill>
+              </a:rPr>
+            </a:br>
+            <a:r>
+              <a:rPr lang="en-US" altLang="ko" sz="2400" dirty="0">
+                <a:solidFill>
+                  <a:schemeClr val="dk1"/>
+                </a:solidFill>
+                <a:hlinkClick r:id="rId4"/>
+              </a:rPr>
+              <a:t>https://github.com/kerryjiang/SuperSocket</a:t>
+            </a:r>
+            <a:r>
+              <a:rPr lang="en-US" altLang="ko" sz="2400" dirty="0">
+                <a:solidFill>
+                  <a:schemeClr val="dk1"/>
+                </a:solidFill>
+              </a:rPr>
+              <a:t> </a:t>
+            </a:r>
+            <a:br>
+              <a:rPr lang="en-US" altLang="ko" sz="2400" dirty="0">
+                <a:solidFill>
+                  <a:schemeClr val="dk1"/>
+                </a:solidFill>
+              </a:rPr>
+            </a:br>
+            <a:endParaRPr lang="en-US" altLang="ko" sz="2400" dirty="0">
+              <a:solidFill>
+                <a:schemeClr val="dk1"/>
+              </a:solidFill>
+            </a:endParaRPr>
+          </a:p>
+          <a:p>
+            <a:pPr marL="457200" lvl="0" indent="-381000">
               <a:buClr>
-                <a:srgbClr val="000000"/>
+                <a:schemeClr val="dk1"/>
               </a:buClr>
               <a:buSzPct val="100000"/>
               <a:buFont typeface="Arial"/>
               <a:buChar char="●"/>
             </a:pPr>
             <a:r>
-              <a:rPr lang="en-US" altLang="ko" sz="2400" dirty="0"/>
-              <a:t>S</a:t>
-            </a:r>
-            <a:r>
-              <a:rPr lang="en-US" altLang="ko-KR" sz="2400" dirty="0"/>
-              <a:t>SL</a:t>
-            </a:r>
-            <a:r>
-              <a:rPr lang="en-US" altLang="ko" sz="2400" dirty="0"/>
-              <a:t>/TLS </a:t>
-            </a:r>
-            <a:r>
-              <a:rPr lang="ko-KR" altLang="en-US" sz="2400" dirty="0"/>
+              <a:rPr lang="en-US" altLang="ko" sz="2400" dirty="0">
+                <a:solidFill>
+                  <a:schemeClr val="dk1"/>
+                </a:solidFill>
+              </a:rPr>
+              <a:t>2.0 </a:t>
+            </a:r>
+            <a:r>
+              <a:rPr lang="ko-KR" altLang="en-US" sz="2400" dirty="0">
+                <a:solidFill>
+                  <a:schemeClr val="dk1"/>
+                </a:solidFill>
+              </a:rPr>
+              <a:t>버전을 준비 중</a:t>
+            </a:r>
+            <a:br>
+              <a:rPr lang="en-US" altLang="ko-KR" sz="2400" dirty="0">
+                <a:solidFill>
+                  <a:schemeClr val="dk1"/>
+                </a:solidFill>
+              </a:rPr>
+            </a:br>
+            <a:r>
+              <a:rPr lang="en-US" altLang="ko-KR" sz="2400" dirty="0">
+                <a:solidFill>
+                  <a:schemeClr val="dk1"/>
+                </a:solidFill>
+              </a:rPr>
+              <a:t>Visual Studio Code </a:t>
+            </a:r>
+            <a:r>
+              <a:rPr lang="ko-KR" altLang="en-US" sz="2400" dirty="0">
+                <a:solidFill>
+                  <a:schemeClr val="dk1"/>
+                </a:solidFill>
+              </a:rPr>
               <a:t>지원</a:t>
             </a:r>
             <a:r>
-              <a:rPr lang="en-US" altLang="ko-KR" sz="2400" dirty="0"/>
-              <a:t>, </a:t>
-            </a:r>
-            <a:r>
-              <a:rPr lang="ko-KR" altLang="en-US" sz="2400" dirty="0"/>
-              <a:t>확장 기능 등 다양한 기능 지원</a:t>
-            </a:r>
-            <a:br>
-              <a:rPr lang="en-US" altLang="ko-KR" sz="2400" dirty="0"/>
-            </a:br>
-            <a:endParaRPr lang="ko" sz="2400" dirty="0"/>
-          </a:p>
-          <a:p>
-            <a:pPr marL="457200" lvl="0" indent="-381000">
-              <a:buClr>
-                <a:srgbClr val="000000"/>
-              </a:buClr>
-              <a:buSzPct val="100000"/>
-              <a:buFont typeface="Arial"/>
-              <a:buChar char="●"/>
-            </a:pPr>
-            <a:r>
-              <a:rPr lang="ko" sz="2400" dirty="0"/>
-              <a:t>공식 사이트 </a:t>
-            </a:r>
-            <a:r>
-              <a:rPr lang="ko" sz="2400" u="sng" dirty="0">
-                <a:solidFill>
-                  <a:schemeClr val="hlink"/>
-                </a:solidFill>
-                <a:hlinkClick r:id="rId3" invalidUrl="http:///"/>
-              </a:rPr>
-              <a:t>http</a:t>
-            </a:r>
-            <a:r>
-              <a:rPr lang="ko" sz="2400" u="sng" dirty="0">
-                <a:solidFill>
-                  <a:schemeClr val="hlink"/>
-                </a:solidFill>
-                <a:hlinkClick r:id="rId4" invalidUrl="http:///"/>
-              </a:rPr>
-              <a:t>://</a:t>
-            </a:r>
-            <a:r>
-              <a:rPr lang="en-US" altLang="ko-KR" sz="2400" u="sng" dirty="0">
-                <a:solidFill>
-                  <a:schemeClr val="hlink"/>
-                </a:solidFill>
-                <a:hlinkClick r:id="rId5"/>
-              </a:rPr>
-              <a:t>www</a:t>
-            </a:r>
-            <a:r>
-              <a:rPr lang="en-US" altLang="ko-KR" sz="2400" u="sng" dirty="0">
-                <a:solidFill>
-                  <a:schemeClr val="hlink"/>
-                </a:solidFill>
-              </a:rPr>
-              <a:t>.</a:t>
-            </a:r>
-            <a:r>
-              <a:rPr lang="ko" altLang="ko-KR" sz="2400" u="sng" dirty="0">
-                <a:solidFill>
-                  <a:schemeClr val="hlink"/>
-                </a:solidFill>
-                <a:hlinkClick r:id="rId6"/>
-              </a:rPr>
-              <a:t>supersocket.net</a:t>
-            </a:r>
-            <a:r>
-              <a:rPr lang="ko" sz="2400" dirty="0">
+              <a:rPr lang="en-US" altLang="ko-KR" sz="2400" dirty="0">
                 <a:solidFill>
                   <a:schemeClr val="dk1"/>
                 </a:solidFill>
               </a:rPr>
-              <a:t> </a:t>
-            </a:r>
-            <a:br>
-              <a:rPr lang="ko" sz="2400" dirty="0">
+              <a:t>. </a:t>
+            </a:r>
+            <a:br>
+              <a:rPr lang="en-US" altLang="ko-KR" sz="2400" dirty="0">
                 <a:solidFill>
                   <a:schemeClr val="dk1"/>
                 </a:solidFill>
               </a:rPr>
             </a:br>
             <a:r>
-              <a:rPr lang="ko" sz="2400" dirty="0">
+              <a:rPr lang="ko-KR" altLang="en-US" sz="2400" dirty="0">
                 <a:solidFill>
                   <a:schemeClr val="dk1"/>
                 </a:solidFill>
               </a:rPr>
-              <a:t>문서는 </a:t>
-            </a:r>
-            <a:r>
-              <a:rPr lang="ko" sz="2400" u="sng" dirty="0">
-                <a:solidFill>
-                  <a:schemeClr val="hlink"/>
-                </a:solidFill>
-                <a:hlinkClick r:id="rId5"/>
-              </a:rPr>
-              <a:t>http://docs.supersocket.net/</a:t>
-            </a:r>
-            <a:r>
-              <a:rPr lang="ko" sz="2400" dirty="0">
+              <a:t>어쩌면 </a:t>
+            </a:r>
+            <a:r>
+              <a:rPr lang="en-US" altLang="ko-KR" sz="2400" dirty="0">
                 <a:solidFill>
                   <a:schemeClr val="dk1"/>
                 </a:solidFill>
               </a:rPr>
-              <a:t> </a:t>
+              <a:t>.NET Core</a:t>
+            </a:r>
+            <a:r>
+              <a:rPr lang="ko-KR" altLang="en-US" sz="2400" dirty="0">
+                <a:solidFill>
+                  <a:schemeClr val="dk1"/>
+                </a:solidFill>
+              </a:rPr>
+              <a:t>도 지원</a:t>
+            </a:r>
+            <a:r>
+              <a:rPr lang="en-US" altLang="ko-KR" sz="2400" dirty="0">
+                <a:solidFill>
+                  <a:schemeClr val="dk1"/>
+                </a:solidFill>
+              </a:rPr>
+              <a:t>?</a:t>
             </a:r>
             <a:br>
               <a:rPr lang="en-US" altLang="ko" sz="2400" dirty="0">
@@ -26434,6 +26805,11 @@
         </p:txBody>
       </p:sp>
     </p:spTree>
+    <p:extLst>
+      <p:ext uri="{BB962C8B-B14F-4D97-AF65-F5344CB8AC3E}">
+        <p14:creationId xmlns:p14="http://schemas.microsoft.com/office/powerpoint/2010/main" val="2705947198"/>
+      </p:ext>
+    </p:extLst>
   </p:cSld>
   <p:clrMapOvr>
     <a:masterClrMapping/>
@@ -26449,7 +26825,7 @@
   <p:cSld>
     <p:spTree>
       <p:nvGrpSpPr>
-        <p:cNvPr id="1" name="Shape 28"/>
+        <p:cNvPr id="1" name="Shape 33"/>
         <p:cNvGrpSpPr/>
         <p:nvPr/>
       </p:nvGrpSpPr>
@@ -26463,380 +26839,102 @@
       </p:grpSpPr>
       <p:sp>
         <p:nvSpPr>
-          <p:cNvPr id="29" name="Shape 29"/>
+          <p:cNvPr id="3" name="TextBox 2"/>
           <p:cNvSpPr txBox="1"/>
           <p:nvPr/>
         </p:nvSpPr>
         <p:spPr>
           <a:xfrm>
-            <a:off x="485424" y="1052736"/>
-            <a:ext cx="8263039" cy="4544399"/>
+            <a:off x="611560" y="764704"/>
+            <a:ext cx="7848872" cy="1754326"/>
+          </a:xfrm>
+          <a:prstGeom prst="rect">
+            <a:avLst/>
+          </a:prstGeom>
+          <a:noFill/>
+        </p:spPr>
+        <p:txBody>
+          <a:bodyPr wrap="square" rtlCol="0">
+            <a:spAutoFit/>
+          </a:bodyPr>
+          <a:lstStyle/>
+          <a:p>
+            <a:r>
+              <a:rPr lang="ko-KR" altLang="en-US" sz="3600" b="1">
+                <a:latin typeface="+mn-ea"/>
+                <a:ea typeface="+mn-ea"/>
+              </a:rPr>
+              <a:t>오픈 소스 답지 않게</a:t>
+            </a:r>
+            <a:r>
+              <a:rPr lang="en-US" altLang="ko-KR" sz="3600" b="1">
+                <a:latin typeface="+mn-ea"/>
+                <a:ea typeface="+mn-ea"/>
+              </a:rPr>
+              <a:t>(?) </a:t>
+            </a:r>
+            <a:r>
+              <a:rPr lang="ko-KR" altLang="en-US" sz="3600" b="1">
+                <a:latin typeface="+mn-ea"/>
+                <a:ea typeface="+mn-ea"/>
+              </a:rPr>
+              <a:t>문서화와 예제 코드가 잘 만들어져 있어서 분석이 쉽다</a:t>
+            </a:r>
+          </a:p>
+        </p:txBody>
+      </p:sp>
+      <p:pic>
+        <p:nvPicPr>
+          <p:cNvPr id="4" name="그림 3"/>
+          <p:cNvPicPr>
+            <a:picLocks noChangeAspect="1"/>
+          </p:cNvPicPr>
+          <p:nvPr/>
+        </p:nvPicPr>
+        <p:blipFill>
+          <a:blip r:embed="rId3"/>
+          <a:stretch>
+            <a:fillRect/>
+          </a:stretch>
+        </p:blipFill>
+        <p:spPr>
+          <a:xfrm>
+            <a:off x="755576" y="2519030"/>
+            <a:ext cx="3090478" cy="4097262"/>
           </a:xfrm>
           <a:prstGeom prst="rect">
             <a:avLst/>
           </a:prstGeom>
         </p:spPr>
-        <p:txBody>
-          <a:bodyPr lIns="91425" tIns="91425" rIns="91425" bIns="91425" anchor="t" anchorCtr="0">
-            <a:noAutofit/>
-          </a:bodyPr>
-          <a:lstStyle/>
-          <a:p>
-            <a:pPr marL="457200" lvl="0" indent="-381000">
-              <a:buClr>
-                <a:schemeClr val="dk1"/>
-              </a:buClr>
-              <a:buSzPct val="100000"/>
-              <a:buFont typeface="Arial"/>
-              <a:buChar char="●"/>
-            </a:pPr>
-            <a:r>
-              <a:rPr lang="ko" sz="2400" dirty="0">
-                <a:solidFill>
-                  <a:schemeClr val="dk1"/>
-                </a:solidFill>
-              </a:rPr>
-              <a:t>현재(201</a:t>
-            </a:r>
-            <a:r>
-              <a:rPr lang="en-US" altLang="ko" sz="2400" dirty="0">
-                <a:solidFill>
-                  <a:schemeClr val="dk1"/>
-                </a:solidFill>
-              </a:rPr>
-              <a:t>6</a:t>
-            </a:r>
-            <a:r>
-              <a:rPr lang="ko" sz="2400" dirty="0">
-                <a:solidFill>
-                  <a:schemeClr val="dk1"/>
-                </a:solidFill>
-              </a:rPr>
-              <a:t>.0</a:t>
-            </a:r>
-            <a:r>
-              <a:rPr lang="en-US" altLang="ko" sz="2400" dirty="0">
-                <a:solidFill>
-                  <a:schemeClr val="dk1"/>
-                </a:solidFill>
-              </a:rPr>
-              <a:t>9</a:t>
-            </a:r>
-            <a:r>
-              <a:rPr lang="ko" sz="2400" dirty="0">
-                <a:solidFill>
-                  <a:schemeClr val="dk1"/>
-                </a:solidFill>
-              </a:rPr>
-              <a:t>.</a:t>
-            </a:r>
-            <a:r>
-              <a:rPr lang="en-US" altLang="ko" sz="2400" dirty="0">
-                <a:solidFill>
-                  <a:schemeClr val="dk1"/>
-                </a:solidFill>
-              </a:rPr>
-              <a:t>02</a:t>
-            </a:r>
-            <a:r>
-              <a:rPr lang="ko" sz="2400" dirty="0">
-                <a:solidFill>
-                  <a:schemeClr val="dk1"/>
-                </a:solidFill>
-              </a:rPr>
-              <a:t>) </a:t>
-            </a:r>
-            <a:r>
-              <a:rPr lang="ko-KR" altLang="en-US" sz="2400" dirty="0">
-                <a:solidFill>
-                  <a:schemeClr val="dk1"/>
-                </a:solidFill>
-              </a:rPr>
-              <a:t>기준</a:t>
-            </a:r>
-            <a:br>
-              <a:rPr lang="en-US" altLang="ko-KR" sz="2400" dirty="0">
-                <a:solidFill>
-                  <a:schemeClr val="dk1"/>
-                </a:solidFill>
-              </a:rPr>
-            </a:br>
-            <a:endParaRPr lang="en-US" altLang="ko-KR" sz="2400" dirty="0">
-              <a:solidFill>
-                <a:schemeClr val="dk1"/>
-              </a:solidFill>
-            </a:endParaRPr>
-          </a:p>
-          <a:p>
-            <a:pPr marL="457200" lvl="0" indent="-381000">
-              <a:buClr>
-                <a:schemeClr val="dk1"/>
-              </a:buClr>
-              <a:buSzPct val="100000"/>
-              <a:buFont typeface="Arial"/>
-              <a:buChar char="●"/>
-            </a:pPr>
-            <a:r>
-              <a:rPr lang="en-US" altLang="ko" sz="2400" dirty="0">
-                <a:solidFill>
-                  <a:schemeClr val="dk1"/>
-                </a:solidFill>
-              </a:rPr>
-              <a:t>nugget </a:t>
-            </a:r>
-            <a:r>
-              <a:rPr lang="ko" sz="2400" dirty="0">
-                <a:solidFill>
-                  <a:schemeClr val="dk1"/>
-                </a:solidFill>
-              </a:rPr>
-              <a:t>최신 버전은 1.6</a:t>
-            </a:r>
-            <a:r>
-              <a:rPr lang="en-US" altLang="ko" sz="2400" dirty="0">
-                <a:solidFill>
-                  <a:schemeClr val="dk1"/>
-                </a:solidFill>
-              </a:rPr>
-              <a:t>.6.1</a:t>
-            </a:r>
-            <a:br>
-              <a:rPr lang="en-US" altLang="ko" sz="2400" dirty="0">
-                <a:solidFill>
-                  <a:schemeClr val="dk1"/>
-                </a:solidFill>
-              </a:rPr>
-            </a:br>
-            <a:r>
-              <a:rPr lang="en-US" altLang="ko" sz="2400" dirty="0">
-                <a:solidFill>
-                  <a:schemeClr val="dk1"/>
-                </a:solidFill>
-                <a:hlinkClick r:id="rId3"/>
-              </a:rPr>
-              <a:t>https://www.nugget.org/packages/SuperSocket/</a:t>
-            </a:r>
-            <a:r>
-              <a:rPr lang="en-US" altLang="ko" sz="2400" dirty="0">
-                <a:solidFill>
-                  <a:schemeClr val="dk1"/>
-                </a:solidFill>
-              </a:rPr>
-              <a:t> </a:t>
-            </a:r>
-            <a:br>
-              <a:rPr lang="en-US" altLang="ko" sz="2400" dirty="0">
-                <a:solidFill>
-                  <a:schemeClr val="dk1"/>
-                </a:solidFill>
-              </a:rPr>
-            </a:br>
-            <a:endParaRPr lang="en-US" altLang="ko" sz="2400" dirty="0">
-              <a:solidFill>
-                <a:schemeClr val="dk1"/>
-              </a:solidFill>
-            </a:endParaRPr>
-          </a:p>
-          <a:p>
-            <a:pPr marL="457200" lvl="0" indent="-381000">
-              <a:buClr>
-                <a:schemeClr val="dk1"/>
-              </a:buClr>
-              <a:buSzPct val="100000"/>
-              <a:buFont typeface="Arial"/>
-              <a:buChar char="●"/>
-            </a:pPr>
-            <a:r>
-              <a:rPr lang="en-US" altLang="ko" sz="2400" dirty="0" err="1">
-                <a:solidFill>
-                  <a:schemeClr val="dk1"/>
-                </a:solidFill>
-              </a:rPr>
-              <a:t>GitHub</a:t>
-            </a:r>
-            <a:r>
-              <a:rPr lang="en-US" altLang="ko" sz="2400" dirty="0">
-                <a:solidFill>
-                  <a:schemeClr val="dk1"/>
-                </a:solidFill>
-              </a:rPr>
-              <a:t> </a:t>
-            </a:r>
-            <a:r>
-              <a:rPr lang="ko-KR" altLang="en-US" sz="2400" dirty="0">
-                <a:solidFill>
-                  <a:schemeClr val="dk1"/>
-                </a:solidFill>
-              </a:rPr>
-              <a:t>버전은 </a:t>
-            </a:r>
-            <a:r>
-              <a:rPr lang="en-US" altLang="ko-KR" sz="2400" dirty="0">
-                <a:solidFill>
-                  <a:schemeClr val="dk1"/>
-                </a:solidFill>
-              </a:rPr>
-              <a:t>1.</a:t>
-            </a:r>
-            <a:r>
-              <a:rPr lang="en-US" altLang="ko" sz="2400" dirty="0">
-                <a:solidFill>
-                  <a:schemeClr val="dk1"/>
-                </a:solidFill>
-              </a:rPr>
-              <a:t> 6.7</a:t>
-            </a:r>
-            <a:br>
-              <a:rPr lang="en-US" altLang="ko" sz="2400" dirty="0">
-                <a:solidFill>
-                  <a:schemeClr val="dk1"/>
-                </a:solidFill>
-              </a:rPr>
-            </a:br>
-            <a:r>
-              <a:rPr lang="en-US" altLang="ko" sz="2400" dirty="0">
-                <a:solidFill>
-                  <a:schemeClr val="dk1"/>
-                </a:solidFill>
-                <a:hlinkClick r:id="rId4"/>
-              </a:rPr>
-              <a:t>https://github.com/kerryjiang/SuperSocket</a:t>
-            </a:r>
-            <a:r>
-              <a:rPr lang="en-US" altLang="ko" sz="2400" dirty="0">
-                <a:solidFill>
-                  <a:schemeClr val="dk1"/>
-                </a:solidFill>
-              </a:rPr>
-              <a:t> </a:t>
-            </a:r>
-            <a:br>
-              <a:rPr lang="en-US" altLang="ko" sz="2400" dirty="0">
-                <a:solidFill>
-                  <a:schemeClr val="dk1"/>
-                </a:solidFill>
-              </a:rPr>
-            </a:br>
-            <a:endParaRPr lang="en-US" altLang="ko" sz="2400" dirty="0">
-              <a:solidFill>
-                <a:schemeClr val="dk1"/>
-              </a:solidFill>
-            </a:endParaRPr>
-          </a:p>
-          <a:p>
-            <a:pPr marL="457200" lvl="0" indent="-381000">
-              <a:buClr>
-                <a:schemeClr val="dk1"/>
-              </a:buClr>
-              <a:buSzPct val="100000"/>
-              <a:buFont typeface="Arial"/>
-              <a:buChar char="●"/>
-            </a:pPr>
-            <a:r>
-              <a:rPr lang="en-US" altLang="ko" sz="2400" dirty="0">
-                <a:solidFill>
-                  <a:schemeClr val="dk1"/>
-                </a:solidFill>
-              </a:rPr>
-              <a:t>2.0 </a:t>
-            </a:r>
-            <a:r>
-              <a:rPr lang="ko-KR" altLang="en-US" sz="2400" dirty="0">
-                <a:solidFill>
-                  <a:schemeClr val="dk1"/>
-                </a:solidFill>
-              </a:rPr>
-              <a:t>버전을 준비 중</a:t>
-            </a:r>
-            <a:br>
-              <a:rPr lang="en-US" altLang="ko-KR" sz="2400" dirty="0">
-                <a:solidFill>
-                  <a:schemeClr val="dk1"/>
-                </a:solidFill>
-              </a:rPr>
-            </a:br>
-            <a:r>
-              <a:rPr lang="en-US" altLang="ko-KR" sz="2400" dirty="0">
-                <a:solidFill>
-                  <a:schemeClr val="dk1"/>
-                </a:solidFill>
-              </a:rPr>
-              <a:t>Visual Studio Code </a:t>
-            </a:r>
-            <a:r>
-              <a:rPr lang="ko-KR" altLang="en-US" sz="2400" dirty="0">
-                <a:solidFill>
-                  <a:schemeClr val="dk1"/>
-                </a:solidFill>
-              </a:rPr>
-              <a:t>지원</a:t>
-            </a:r>
-            <a:r>
-              <a:rPr lang="en-US" altLang="ko-KR" sz="2400" dirty="0">
-                <a:solidFill>
-                  <a:schemeClr val="dk1"/>
-                </a:solidFill>
-              </a:rPr>
-              <a:t>. </a:t>
-            </a:r>
-            <a:br>
-              <a:rPr lang="en-US" altLang="ko-KR" sz="2400" dirty="0">
-                <a:solidFill>
-                  <a:schemeClr val="dk1"/>
-                </a:solidFill>
-              </a:rPr>
-            </a:br>
-            <a:r>
-              <a:rPr lang="ko-KR" altLang="en-US" sz="2400" dirty="0">
-                <a:solidFill>
-                  <a:schemeClr val="dk1"/>
-                </a:solidFill>
-              </a:rPr>
-              <a:t>어쩌면 </a:t>
-            </a:r>
-            <a:r>
-              <a:rPr lang="en-US" altLang="ko-KR" sz="2400" dirty="0">
-                <a:solidFill>
-                  <a:schemeClr val="dk1"/>
-                </a:solidFill>
-              </a:rPr>
-              <a:t>.NET Core</a:t>
-            </a:r>
-            <a:r>
-              <a:rPr lang="ko-KR" altLang="en-US" sz="2400" dirty="0">
-                <a:solidFill>
-                  <a:schemeClr val="dk1"/>
-                </a:solidFill>
-              </a:rPr>
-              <a:t>도 지원</a:t>
-            </a:r>
-            <a:r>
-              <a:rPr lang="en-US" altLang="ko-KR" sz="2400" dirty="0">
-                <a:solidFill>
-                  <a:schemeClr val="dk1"/>
-                </a:solidFill>
-              </a:rPr>
-              <a:t>?</a:t>
-            </a:r>
-            <a:br>
-              <a:rPr lang="en-US" altLang="ko" sz="2400" dirty="0">
-                <a:solidFill>
-                  <a:schemeClr val="dk1"/>
-                </a:solidFill>
-              </a:rPr>
-            </a:br>
-            <a:endParaRPr lang="ko" sz="2400" dirty="0">
-              <a:solidFill>
-                <a:schemeClr val="dk1"/>
-              </a:solidFill>
-            </a:endParaRPr>
-          </a:p>
-        </p:txBody>
-      </p:sp>
+      </p:pic>
+      <p:pic>
+        <p:nvPicPr>
+          <p:cNvPr id="5" name="그림 4"/>
+          <p:cNvPicPr>
+            <a:picLocks noChangeAspect="1"/>
+          </p:cNvPicPr>
+          <p:nvPr/>
+        </p:nvPicPr>
+        <p:blipFill>
+          <a:blip r:embed="rId4"/>
+          <a:stretch>
+            <a:fillRect/>
+          </a:stretch>
+        </p:blipFill>
+        <p:spPr>
+          <a:xfrm>
+            <a:off x="4499992" y="2420888"/>
+            <a:ext cx="3354276" cy="4338970"/>
+          </a:xfrm>
+          <a:prstGeom prst="rect">
+            <a:avLst/>
+          </a:prstGeom>
+        </p:spPr>
+      </p:pic>
     </p:spTree>
     <p:extLst>
       <p:ext uri="{BB962C8B-B14F-4D97-AF65-F5344CB8AC3E}">
-        <p14:creationId xmlns:p14="http://schemas.microsoft.com/office/powerpoint/2010/main" val="2705947198"/>
+        <p14:creationId xmlns:p14="http://schemas.microsoft.com/office/powerpoint/2010/main" val="1625302239"/>
       </p:ext>
     </p:extLst>
   </p:cSld>
@@ -26866,6 +26964,28 @@
           <a:chExt cx="0" cy="0"/>
         </a:xfrm>
       </p:grpSpPr>
+      <p:pic>
+        <p:nvPicPr>
+          <p:cNvPr id="34" name="Shape 34"/>
+          <p:cNvPicPr preferRelativeResize="0"/>
+          <p:nvPr/>
+        </p:nvPicPr>
+        <p:blipFill>
+          <a:blip r:embed="rId3"/>
+          <a:stretch>
+            <a:fillRect/>
+          </a:stretch>
+        </p:blipFill>
+        <p:spPr>
+          <a:xfrm>
+            <a:off x="947650" y="482900"/>
+            <a:ext cx="6994800" cy="5978174"/>
+          </a:xfrm>
+          <a:prstGeom prst="rect">
+            <a:avLst/>
+          </a:prstGeom>
+        </p:spPr>
+      </p:pic>
       <p:sp>
         <p:nvSpPr>
           <p:cNvPr id="35" name="Shape 35"/>
@@ -26887,14 +27007,17 @@
           </a:bodyPr>
           <a:lstStyle/>
           <a:p>
-            <a:pPr lvl="0" algn="ctr"/>
-            <a:r>
-              <a:rPr lang="en-US" altLang="ko" sz="1000" u="sng">
+            <a:pPr lvl="0" rtl="0">
+              <a:buNone/>
+            </a:pPr>
+            <a:r>
+              <a:rPr lang="ko" sz="1000" u="sng">
                 <a:solidFill>
                   <a:schemeClr val="hlink"/>
                 </a:solidFill>
-              </a:rPr>
-              <a:t>http://www.supersocket.net/</a:t>
+                <a:hlinkClick r:id="rId4"/>
+              </a:rPr>
+              <a:t>http://docs.supersocket.net/v1-6/en-US/Architecture-Diagrams</a:t>
             </a:r>
             <a:r>
               <a:rPr lang="ko" sz="1000">
@@ -26907,34 +27030,10 @@
           </a:p>
         </p:txBody>
       </p:sp>
-      <p:pic>
-        <p:nvPicPr>
-          <p:cNvPr id="2" name="그림 1"/>
-          <p:cNvPicPr>
-            <a:picLocks noChangeAspect="1"/>
-          </p:cNvPicPr>
-          <p:nvPr/>
-        </p:nvPicPr>
-        <p:blipFill>
-          <a:blip r:embed="rId3"/>
-          <a:stretch>
-            <a:fillRect/>
-          </a:stretch>
-        </p:blipFill>
-        <p:spPr>
-          <a:xfrm>
-            <a:off x="395536" y="764704"/>
-            <a:ext cx="8280920" cy="5333825"/>
-          </a:xfrm>
-          <a:prstGeom prst="rect">
-            <a:avLst/>
-          </a:prstGeom>
-        </p:spPr>
-      </p:pic>
     </p:spTree>
     <p:extLst>
       <p:ext uri="{BB962C8B-B14F-4D97-AF65-F5344CB8AC3E}">
-        <p14:creationId xmlns:p14="http://schemas.microsoft.com/office/powerpoint/2010/main" val="1625302239"/>
+        <p14:creationId xmlns:p14="http://schemas.microsoft.com/office/powerpoint/2010/main" val="1464461788"/>
       </p:ext>
     </p:extLst>
   </p:cSld>
